--- a/SM4/ppt/building_ppt.pptx
+++ b/SM4/ppt/building_ppt.pptx
@@ -207,7 +207,7 @@
           <a:p>
             <a:fld id="{500EFD49-C6BA-4DD1-9ACA-D572DA493EF6}" type="datetimeFigureOut">
               <a:rPr lang="he-IL" smtClean="0"/>
-              <a:t>י"א/תמוז/תשפ"ד</a:t>
+              <a:t>י"ב/תמוז/תשפ"ד</a:t>
             </a:fld>
             <a:endParaRPr lang="he-IL"/>
           </a:p>
@@ -1139,7 +1139,7 @@
           <a:p>
             <a:fld id="{4644331F-23A3-4373-94B9-892A5E87C62A}" type="datetimeFigureOut">
               <a:rPr lang="he-IL" smtClean="0"/>
-              <a:t>י"א/תמוז/תשפ"ד</a:t>
+              <a:t>י"ב/תמוז/תשפ"ד</a:t>
             </a:fld>
             <a:endParaRPr lang="he-IL"/>
           </a:p>
@@ -1309,7 +1309,7 @@
           <a:p>
             <a:fld id="{4644331F-23A3-4373-94B9-892A5E87C62A}" type="datetimeFigureOut">
               <a:rPr lang="he-IL" smtClean="0"/>
-              <a:t>י"א/תמוז/תשפ"ד</a:t>
+              <a:t>י"ב/תמוז/תשפ"ד</a:t>
             </a:fld>
             <a:endParaRPr lang="he-IL"/>
           </a:p>
@@ -1489,7 +1489,7 @@
           <a:p>
             <a:fld id="{4644331F-23A3-4373-94B9-892A5E87C62A}" type="datetimeFigureOut">
               <a:rPr lang="he-IL" smtClean="0"/>
-              <a:t>י"א/תמוז/תשפ"ד</a:t>
+              <a:t>י"ב/תמוז/תשפ"ד</a:t>
             </a:fld>
             <a:endParaRPr lang="he-IL"/>
           </a:p>
@@ -1659,7 +1659,7 @@
           <a:p>
             <a:fld id="{4644331F-23A3-4373-94B9-892A5E87C62A}" type="datetimeFigureOut">
               <a:rPr lang="he-IL" smtClean="0"/>
-              <a:t>י"א/תמוז/תשפ"ד</a:t>
+              <a:t>י"ב/תמוז/תשפ"ד</a:t>
             </a:fld>
             <a:endParaRPr lang="he-IL"/>
           </a:p>
@@ -1905,7 +1905,7 @@
           <a:p>
             <a:fld id="{4644331F-23A3-4373-94B9-892A5E87C62A}" type="datetimeFigureOut">
               <a:rPr lang="he-IL" smtClean="0"/>
-              <a:t>י"א/תמוז/תשפ"ד</a:t>
+              <a:t>י"ב/תמוז/תשפ"ד</a:t>
             </a:fld>
             <a:endParaRPr lang="he-IL"/>
           </a:p>
@@ -2137,7 +2137,7 @@
           <a:p>
             <a:fld id="{4644331F-23A3-4373-94B9-892A5E87C62A}" type="datetimeFigureOut">
               <a:rPr lang="he-IL" smtClean="0"/>
-              <a:t>י"א/תמוז/תשפ"ד</a:t>
+              <a:t>י"ב/תמוז/תשפ"ד</a:t>
             </a:fld>
             <a:endParaRPr lang="he-IL"/>
           </a:p>
@@ -2504,7 +2504,7 @@
           <a:p>
             <a:fld id="{4644331F-23A3-4373-94B9-892A5E87C62A}" type="datetimeFigureOut">
               <a:rPr lang="he-IL" smtClean="0"/>
-              <a:t>י"א/תמוז/תשפ"ד</a:t>
+              <a:t>י"ב/תמוז/תשפ"ד</a:t>
             </a:fld>
             <a:endParaRPr lang="he-IL"/>
           </a:p>
@@ -2622,7 +2622,7 @@
           <a:p>
             <a:fld id="{4644331F-23A3-4373-94B9-892A5E87C62A}" type="datetimeFigureOut">
               <a:rPr lang="he-IL" smtClean="0"/>
-              <a:t>י"א/תמוז/תשפ"ד</a:t>
+              <a:t>י"ב/תמוז/תשפ"ד</a:t>
             </a:fld>
             <a:endParaRPr lang="he-IL"/>
           </a:p>
@@ -2717,7 +2717,7 @@
           <a:p>
             <a:fld id="{4644331F-23A3-4373-94B9-892A5E87C62A}" type="datetimeFigureOut">
               <a:rPr lang="he-IL" smtClean="0"/>
-              <a:t>י"א/תמוז/תשפ"ד</a:t>
+              <a:t>י"ב/תמוז/תשפ"ד</a:t>
             </a:fld>
             <a:endParaRPr lang="he-IL"/>
           </a:p>
@@ -2994,7 +2994,7 @@
           <a:p>
             <a:fld id="{4644331F-23A3-4373-94B9-892A5E87C62A}" type="datetimeFigureOut">
               <a:rPr lang="he-IL" smtClean="0"/>
-              <a:t>י"א/תמוז/תשפ"ד</a:t>
+              <a:t>י"ב/תמוז/תשפ"ד</a:t>
             </a:fld>
             <a:endParaRPr lang="he-IL"/>
           </a:p>
@@ -3251,7 +3251,7 @@
           <a:p>
             <a:fld id="{4644331F-23A3-4373-94B9-892A5E87C62A}" type="datetimeFigureOut">
               <a:rPr lang="he-IL" smtClean="0"/>
-              <a:t>י"א/תמוז/תשפ"ד</a:t>
+              <a:t>י"ב/תמוז/תשפ"ד</a:t>
             </a:fld>
             <a:endParaRPr lang="he-IL"/>
           </a:p>
@@ -3464,7 +3464,7 @@
           <a:p>
             <a:fld id="{4644331F-23A3-4373-94B9-892A5E87C62A}" type="datetimeFigureOut">
               <a:rPr lang="he-IL" smtClean="0"/>
-              <a:t>י"א/תמוז/תשפ"ד</a:t>
+              <a:t>י"ב/תמוז/תשפ"ד</a:t>
             </a:fld>
             <a:endParaRPr lang="he-IL"/>
           </a:p>
@@ -5146,8 +5146,8 @@
           </a:p>
         </p:txBody>
       </p:sp>
-      <mc:AlternateContent xmlns:mc="http://schemas.openxmlformats.org/markup-compatibility/2006">
-        <mc:Choice xmlns:a14="http://schemas.microsoft.com/office/drawing/2010/main" Requires="a14">
+      <mc:AlternateContent xmlns:mc="http://schemas.openxmlformats.org/markup-compatibility/2006" xmlns:a14="http://schemas.microsoft.com/office/drawing/2010/main">
+        <mc:Choice Requires="a14">
           <p:sp>
             <p:nvSpPr>
               <p:cNvPr id="3" name="מלבן 2">
@@ -5227,7 +5227,7 @@
             </p:txBody>
           </p:sp>
         </mc:Choice>
-        <mc:Fallback>
+        <mc:Fallback xmlns="">
           <p:sp>
             <p:nvSpPr>
               <p:cNvPr id="3" name="מלבן 2">
@@ -5272,8 +5272,8 @@
           </p:sp>
         </mc:Fallback>
       </mc:AlternateContent>
-      <mc:AlternateContent xmlns:mc="http://schemas.openxmlformats.org/markup-compatibility/2006">
-        <mc:Choice xmlns:a14="http://schemas.microsoft.com/office/drawing/2010/main" Requires="a14">
+      <mc:AlternateContent xmlns:mc="http://schemas.openxmlformats.org/markup-compatibility/2006" xmlns:a14="http://schemas.microsoft.com/office/drawing/2010/main">
+        <mc:Choice Requires="a14">
           <p:sp>
             <p:nvSpPr>
               <p:cNvPr id="14" name="מלבן 13">
@@ -5365,7 +5365,7 @@
             </p:txBody>
           </p:sp>
         </mc:Choice>
-        <mc:Fallback>
+        <mc:Fallback xmlns="">
           <p:sp>
             <p:nvSpPr>
               <p:cNvPr id="14" name="מלבן 13">
@@ -5410,8 +5410,8 @@
           </p:sp>
         </mc:Fallback>
       </mc:AlternateContent>
-      <mc:AlternateContent xmlns:mc="http://schemas.openxmlformats.org/markup-compatibility/2006">
-        <mc:Choice xmlns:a14="http://schemas.microsoft.com/office/drawing/2010/main" Requires="a14">
+      <mc:AlternateContent xmlns:mc="http://schemas.openxmlformats.org/markup-compatibility/2006" xmlns:a14="http://schemas.microsoft.com/office/drawing/2010/main">
+        <mc:Choice Requires="a14">
           <p:sp>
             <p:nvSpPr>
               <p:cNvPr id="15" name="מלבן 14">
@@ -5503,7 +5503,7 @@
             </p:txBody>
           </p:sp>
         </mc:Choice>
-        <mc:Fallback>
+        <mc:Fallback xmlns="">
           <p:sp>
             <p:nvSpPr>
               <p:cNvPr id="15" name="מלבן 14">
@@ -5548,8 +5548,8 @@
           </p:sp>
         </mc:Fallback>
       </mc:AlternateContent>
-      <mc:AlternateContent xmlns:mc="http://schemas.openxmlformats.org/markup-compatibility/2006">
-        <mc:Choice xmlns:a14="http://schemas.microsoft.com/office/drawing/2010/main" Requires="a14">
+      <mc:AlternateContent xmlns:mc="http://schemas.openxmlformats.org/markup-compatibility/2006" xmlns:a14="http://schemas.microsoft.com/office/drawing/2010/main">
+        <mc:Choice Requires="a14">
           <p:sp>
             <p:nvSpPr>
               <p:cNvPr id="16" name="מלבן 15">
@@ -5641,7 +5641,7 @@
             </p:txBody>
           </p:sp>
         </mc:Choice>
-        <mc:Fallback>
+        <mc:Fallback xmlns="">
           <p:sp>
             <p:nvSpPr>
               <p:cNvPr id="16" name="מלבן 15">
@@ -7019,8 +7019,8 @@
           </a:p>
         </p:txBody>
       </p:sp>
-      <mc:AlternateContent xmlns:mc="http://schemas.openxmlformats.org/markup-compatibility/2006">
-        <mc:Choice xmlns:a14="http://schemas.microsoft.com/office/drawing/2010/main" Requires="a14">
+      <mc:AlternateContent xmlns:mc="http://schemas.openxmlformats.org/markup-compatibility/2006" xmlns:a14="http://schemas.microsoft.com/office/drawing/2010/main">
+        <mc:Choice Requires="a14">
           <p:sp>
             <p:nvSpPr>
               <p:cNvPr id="59" name="מלבן 58">
@@ -7088,7 +7088,7 @@
             </p:txBody>
           </p:sp>
         </mc:Choice>
-        <mc:Fallback>
+        <mc:Fallback xmlns="">
           <p:sp>
             <p:nvSpPr>
               <p:cNvPr id="59" name="מלבן 58">
@@ -7134,8 +7134,8 @@
           </p:sp>
         </mc:Fallback>
       </mc:AlternateContent>
-      <mc:AlternateContent xmlns:mc="http://schemas.openxmlformats.org/markup-compatibility/2006">
-        <mc:Choice xmlns:a14="http://schemas.microsoft.com/office/drawing/2010/main" Requires="a14">
+      <mc:AlternateContent xmlns:mc="http://schemas.openxmlformats.org/markup-compatibility/2006" xmlns:a14="http://schemas.microsoft.com/office/drawing/2010/main">
+        <mc:Choice Requires="a14">
           <p:sp>
             <p:nvSpPr>
               <p:cNvPr id="60" name="מלבן 59">
@@ -7203,7 +7203,7 @@
             </p:txBody>
           </p:sp>
         </mc:Choice>
-        <mc:Fallback>
+        <mc:Fallback xmlns="">
           <p:sp>
             <p:nvSpPr>
               <p:cNvPr id="60" name="מלבן 59">
@@ -7249,8 +7249,8 @@
           </p:sp>
         </mc:Fallback>
       </mc:AlternateContent>
-      <mc:AlternateContent xmlns:mc="http://schemas.openxmlformats.org/markup-compatibility/2006">
-        <mc:Choice xmlns:a14="http://schemas.microsoft.com/office/drawing/2010/main" Requires="a14">
+      <mc:AlternateContent xmlns:mc="http://schemas.openxmlformats.org/markup-compatibility/2006" xmlns:a14="http://schemas.microsoft.com/office/drawing/2010/main">
+        <mc:Choice Requires="a14">
           <p:sp>
             <p:nvSpPr>
               <p:cNvPr id="61" name="מלבן 60">
@@ -7318,7 +7318,7 @@
             </p:txBody>
           </p:sp>
         </mc:Choice>
-        <mc:Fallback>
+        <mc:Fallback xmlns="">
           <p:sp>
             <p:nvSpPr>
               <p:cNvPr id="61" name="מלבן 60">
@@ -7364,8 +7364,8 @@
           </p:sp>
         </mc:Fallback>
       </mc:AlternateContent>
-      <mc:AlternateContent xmlns:mc="http://schemas.openxmlformats.org/markup-compatibility/2006">
-        <mc:Choice xmlns:a14="http://schemas.microsoft.com/office/drawing/2010/main" Requires="a14">
+      <mc:AlternateContent xmlns:mc="http://schemas.openxmlformats.org/markup-compatibility/2006" xmlns:a14="http://schemas.microsoft.com/office/drawing/2010/main">
+        <mc:Choice Requires="a14">
           <p:sp>
             <p:nvSpPr>
               <p:cNvPr id="62" name="מלבן 61">
@@ -7433,7 +7433,7 @@
             </p:txBody>
           </p:sp>
         </mc:Choice>
-        <mc:Fallback>
+        <mc:Fallback xmlns="">
           <p:sp>
             <p:nvSpPr>
               <p:cNvPr id="62" name="מלבן 61">
@@ -8189,8 +8189,8 @@
           </a:p>
         </p:txBody>
       </p:sp>
-      <mc:AlternateContent xmlns:mc="http://schemas.openxmlformats.org/markup-compatibility/2006">
-        <mc:Choice xmlns:a14="http://schemas.microsoft.com/office/drawing/2010/main" Requires="a14">
+      <mc:AlternateContent xmlns:mc="http://schemas.openxmlformats.org/markup-compatibility/2006" xmlns:a14="http://schemas.microsoft.com/office/drawing/2010/main">
+        <mc:Choice Requires="a14">
           <p:sp>
             <p:nvSpPr>
               <p:cNvPr id="81" name="מלבן 80">
@@ -8282,7 +8282,7 @@
             </p:txBody>
           </p:sp>
         </mc:Choice>
-        <mc:Fallback>
+        <mc:Fallback xmlns="">
           <p:sp>
             <p:nvSpPr>
               <p:cNvPr id="81" name="מלבן 80">
@@ -8327,8 +8327,8 @@
           </p:sp>
         </mc:Fallback>
       </mc:AlternateContent>
-      <mc:AlternateContent xmlns:mc="http://schemas.openxmlformats.org/markup-compatibility/2006">
-        <mc:Choice xmlns:a14="http://schemas.microsoft.com/office/drawing/2010/main" Requires="a14">
+      <mc:AlternateContent xmlns:mc="http://schemas.openxmlformats.org/markup-compatibility/2006" xmlns:a14="http://schemas.microsoft.com/office/drawing/2010/main">
+        <mc:Choice Requires="a14">
           <p:sp>
             <p:nvSpPr>
               <p:cNvPr id="82" name="מלבן 81">
@@ -8408,7 +8408,7 @@
             </p:txBody>
           </p:sp>
         </mc:Choice>
-        <mc:Fallback>
+        <mc:Fallback xmlns="">
           <p:sp>
             <p:nvSpPr>
               <p:cNvPr id="82" name="מלבן 81">
@@ -9056,8 +9056,8 @@
           </a:p>
         </p:txBody>
       </p:sp>
-      <mc:AlternateContent xmlns:mc="http://schemas.openxmlformats.org/markup-compatibility/2006">
-        <mc:Choice xmlns:a14="http://schemas.microsoft.com/office/drawing/2010/main" Requires="a14">
+      <mc:AlternateContent xmlns:mc="http://schemas.openxmlformats.org/markup-compatibility/2006" xmlns:a14="http://schemas.microsoft.com/office/drawing/2010/main">
+        <mc:Choice Requires="a14">
           <p:sp>
             <p:nvSpPr>
               <p:cNvPr id="72" name="מלבן 71">
@@ -9142,7 +9142,7 @@
             </p:txBody>
           </p:sp>
         </mc:Choice>
-        <mc:Fallback>
+        <mc:Fallback xmlns="">
           <p:sp>
             <p:nvSpPr>
               <p:cNvPr id="72" name="מלבן 71">
@@ -9187,8 +9187,8 @@
           </p:sp>
         </mc:Fallback>
       </mc:AlternateContent>
-      <mc:AlternateContent xmlns:mc="http://schemas.openxmlformats.org/markup-compatibility/2006">
-        <mc:Choice xmlns:a14="http://schemas.microsoft.com/office/drawing/2010/main" Requires="a14">
+      <mc:AlternateContent xmlns:mc="http://schemas.openxmlformats.org/markup-compatibility/2006" xmlns:a14="http://schemas.microsoft.com/office/drawing/2010/main">
+        <mc:Choice Requires="a14">
           <p:sp>
             <p:nvSpPr>
               <p:cNvPr id="73" name="מלבן 72">
@@ -9285,7 +9285,7 @@
             </p:txBody>
           </p:sp>
         </mc:Choice>
-        <mc:Fallback>
+        <mc:Fallback xmlns="">
           <p:sp>
             <p:nvSpPr>
               <p:cNvPr id="73" name="מלבן 72">
@@ -9330,8 +9330,8 @@
           </p:sp>
         </mc:Fallback>
       </mc:AlternateContent>
-      <mc:AlternateContent xmlns:mc="http://schemas.openxmlformats.org/markup-compatibility/2006">
-        <mc:Choice xmlns:a14="http://schemas.microsoft.com/office/drawing/2010/main" Requires="a14">
+      <mc:AlternateContent xmlns:mc="http://schemas.openxmlformats.org/markup-compatibility/2006" xmlns:a14="http://schemas.microsoft.com/office/drawing/2010/main">
+        <mc:Choice Requires="a14">
           <p:sp>
             <p:nvSpPr>
               <p:cNvPr id="74" name="מלבן 73">
@@ -9428,7 +9428,7 @@
             </p:txBody>
           </p:sp>
         </mc:Choice>
-        <mc:Fallback>
+        <mc:Fallback xmlns="">
           <p:sp>
             <p:nvSpPr>
               <p:cNvPr id="74" name="מלבן 73">
@@ -9473,8 +9473,8 @@
           </p:sp>
         </mc:Fallback>
       </mc:AlternateContent>
-      <mc:AlternateContent xmlns:mc="http://schemas.openxmlformats.org/markup-compatibility/2006">
-        <mc:Choice xmlns:a14="http://schemas.microsoft.com/office/drawing/2010/main" Requires="a14">
+      <mc:AlternateContent xmlns:mc="http://schemas.openxmlformats.org/markup-compatibility/2006" xmlns:a14="http://schemas.microsoft.com/office/drawing/2010/main">
+        <mc:Choice Requires="a14">
           <p:sp>
             <p:nvSpPr>
               <p:cNvPr id="75" name="מלבן 74">
@@ -9571,7 +9571,7 @@
             </p:txBody>
           </p:sp>
         </mc:Choice>
-        <mc:Fallback>
+        <mc:Fallback xmlns="">
           <p:sp>
             <p:nvSpPr>
               <p:cNvPr id="75" name="מלבן 74">
@@ -10855,8 +10855,8 @@
           </a:p>
         </p:txBody>
       </p:sp>
-      <mc:AlternateContent xmlns:mc="http://schemas.openxmlformats.org/markup-compatibility/2006">
-        <mc:Choice xmlns:a14="http://schemas.microsoft.com/office/drawing/2010/main" Requires="a14">
+      <mc:AlternateContent xmlns:mc="http://schemas.openxmlformats.org/markup-compatibility/2006" xmlns:a14="http://schemas.microsoft.com/office/drawing/2010/main">
+        <mc:Choice Requires="a14">
           <p:sp>
             <p:nvSpPr>
               <p:cNvPr id="106" name="מלבן 105">
@@ -10923,7 +10923,7 @@
             </p:txBody>
           </p:sp>
         </mc:Choice>
-        <mc:Fallback>
+        <mc:Fallback xmlns="">
           <p:sp>
             <p:nvSpPr>
               <p:cNvPr id="106" name="מלבן 105">
@@ -10969,8 +10969,8 @@
           </p:sp>
         </mc:Fallback>
       </mc:AlternateContent>
-      <mc:AlternateContent xmlns:mc="http://schemas.openxmlformats.org/markup-compatibility/2006">
-        <mc:Choice xmlns:a14="http://schemas.microsoft.com/office/drawing/2010/main" Requires="a14">
+      <mc:AlternateContent xmlns:mc="http://schemas.openxmlformats.org/markup-compatibility/2006" xmlns:a14="http://schemas.microsoft.com/office/drawing/2010/main">
+        <mc:Choice Requires="a14">
           <p:sp>
             <p:nvSpPr>
               <p:cNvPr id="107" name="מלבן 106">
@@ -11038,7 +11038,7 @@
             </p:txBody>
           </p:sp>
         </mc:Choice>
-        <mc:Fallback>
+        <mc:Fallback xmlns="">
           <p:sp>
             <p:nvSpPr>
               <p:cNvPr id="107" name="מלבן 106">
@@ -11700,8 +11700,8 @@
           </a:p>
         </p:txBody>
       </p:sp>
-      <mc:AlternateContent xmlns:mc="http://schemas.openxmlformats.org/markup-compatibility/2006">
-        <mc:Choice xmlns:a14="http://schemas.microsoft.com/office/drawing/2010/main" Requires="a14">
+      <mc:AlternateContent xmlns:mc="http://schemas.openxmlformats.org/markup-compatibility/2006" xmlns:a14="http://schemas.microsoft.com/office/drawing/2010/main">
+        <mc:Choice Requires="a14">
           <p:sp>
             <p:nvSpPr>
               <p:cNvPr id="126" name="מלבן 125">
@@ -11798,7 +11798,7 @@
             </p:txBody>
           </p:sp>
         </mc:Choice>
-        <mc:Fallback>
+        <mc:Fallback xmlns="">
           <p:sp>
             <p:nvSpPr>
               <p:cNvPr id="126" name="מלבן 125">
@@ -11843,8 +11843,8 @@
           </p:sp>
         </mc:Fallback>
       </mc:AlternateContent>
-      <mc:AlternateContent xmlns:mc="http://schemas.openxmlformats.org/markup-compatibility/2006">
-        <mc:Choice xmlns:a14="http://schemas.microsoft.com/office/drawing/2010/main" Requires="a14">
+      <mc:AlternateContent xmlns:mc="http://schemas.openxmlformats.org/markup-compatibility/2006" xmlns:a14="http://schemas.microsoft.com/office/drawing/2010/main">
+        <mc:Choice Requires="a14">
           <p:sp>
             <p:nvSpPr>
               <p:cNvPr id="127" name="מלבן 126">
@@ -11930,7 +11930,7 @@
             </p:txBody>
           </p:sp>
         </mc:Choice>
-        <mc:Fallback>
+        <mc:Fallback xmlns="">
           <p:sp>
             <p:nvSpPr>
               <p:cNvPr id="127" name="מלבן 126">
@@ -12313,8 +12313,8 @@
           </a:p>
         </p:txBody>
       </p:sp>
-      <mc:AlternateContent xmlns:mc="http://schemas.openxmlformats.org/markup-compatibility/2006">
-        <mc:Choice xmlns:a14="http://schemas.microsoft.com/office/drawing/2010/main" Requires="a14">
+      <mc:AlternateContent xmlns:mc="http://schemas.openxmlformats.org/markup-compatibility/2006" xmlns:a14="http://schemas.microsoft.com/office/drawing/2010/main">
+        <mc:Choice Requires="a14">
           <p:sp>
             <p:nvSpPr>
               <p:cNvPr id="1037" name="מלבן 1036">
@@ -12394,7 +12394,7 @@
             </p:txBody>
           </p:sp>
         </mc:Choice>
-        <mc:Fallback>
+        <mc:Fallback xmlns="">
           <p:sp>
             <p:nvSpPr>
               <p:cNvPr id="1037" name="מלבן 1036">
@@ -12488,8 +12488,8 @@
           </a:p>
         </p:txBody>
       </p:sp>
-      <mc:AlternateContent xmlns:mc="http://schemas.openxmlformats.org/markup-compatibility/2006">
-        <mc:Choice xmlns:a14="http://schemas.microsoft.com/office/drawing/2010/main" Requires="a14">
+      <mc:AlternateContent xmlns:mc="http://schemas.openxmlformats.org/markup-compatibility/2006" xmlns:a14="http://schemas.microsoft.com/office/drawing/2010/main">
+        <mc:Choice Requires="a14">
           <p:sp>
             <p:nvSpPr>
               <p:cNvPr id="1036" name="מלבן 1035">
@@ -12569,7 +12569,7 @@
             </p:txBody>
           </p:sp>
         </mc:Choice>
-        <mc:Fallback>
+        <mc:Fallback xmlns="">
           <p:sp>
             <p:nvSpPr>
               <p:cNvPr id="1036" name="מלבן 1035">
@@ -12614,8 +12614,8 @@
           </p:sp>
         </mc:Fallback>
       </mc:AlternateContent>
-      <mc:AlternateContent xmlns:mc="http://schemas.openxmlformats.org/markup-compatibility/2006">
-        <mc:Choice xmlns:a14="http://schemas.microsoft.com/office/drawing/2010/main" Requires="a14">
+      <mc:AlternateContent xmlns:mc="http://schemas.openxmlformats.org/markup-compatibility/2006" xmlns:a14="http://schemas.microsoft.com/office/drawing/2010/main">
+        <mc:Choice Requires="a14">
           <p:sp>
             <p:nvSpPr>
               <p:cNvPr id="1035" name="מלבן 1034">
@@ -12695,7 +12695,7 @@
             </p:txBody>
           </p:sp>
         </mc:Choice>
-        <mc:Fallback>
+        <mc:Fallback xmlns="">
           <p:sp>
             <p:nvSpPr>
               <p:cNvPr id="1035" name="מלבן 1034">
@@ -12740,8 +12740,8 @@
           </p:sp>
         </mc:Fallback>
       </mc:AlternateContent>
-      <mc:AlternateContent xmlns:mc="http://schemas.openxmlformats.org/markup-compatibility/2006">
-        <mc:Choice xmlns:a14="http://schemas.microsoft.com/office/drawing/2010/main" Requires="a14">
+      <mc:AlternateContent xmlns:mc="http://schemas.openxmlformats.org/markup-compatibility/2006" xmlns:a14="http://schemas.microsoft.com/office/drawing/2010/main">
+        <mc:Choice Requires="a14">
           <p:sp>
             <p:nvSpPr>
               <p:cNvPr id="1034" name="מלבן 1033">
@@ -12821,7 +12821,7 @@
             </p:txBody>
           </p:sp>
         </mc:Choice>
-        <mc:Fallback>
+        <mc:Fallback xmlns="">
           <p:sp>
             <p:nvSpPr>
               <p:cNvPr id="1034" name="מלבן 1033">
@@ -12866,8 +12866,8 @@
           </p:sp>
         </mc:Fallback>
       </mc:AlternateContent>
-      <mc:AlternateContent xmlns:mc="http://schemas.openxmlformats.org/markup-compatibility/2006">
-        <mc:Choice xmlns:a14="http://schemas.microsoft.com/office/drawing/2010/main" Requires="a14">
+      <mc:AlternateContent xmlns:mc="http://schemas.openxmlformats.org/markup-compatibility/2006" xmlns:a14="http://schemas.microsoft.com/office/drawing/2010/main">
+        <mc:Choice Requires="a14">
           <p:sp>
             <p:nvSpPr>
               <p:cNvPr id="1046" name="מלבן 1045">
@@ -12947,7 +12947,7 @@
             </p:txBody>
           </p:sp>
         </mc:Choice>
-        <mc:Fallback>
+        <mc:Fallback xmlns="">
           <p:sp>
             <p:nvSpPr>
               <p:cNvPr id="1046" name="מלבן 1045">
@@ -13041,8 +13041,8 @@
           </a:p>
         </p:txBody>
       </p:sp>
-      <mc:AlternateContent xmlns:mc="http://schemas.openxmlformats.org/markup-compatibility/2006">
-        <mc:Choice xmlns:a14="http://schemas.microsoft.com/office/drawing/2010/main" Requires="a14">
+      <mc:AlternateContent xmlns:mc="http://schemas.openxmlformats.org/markup-compatibility/2006" xmlns:a14="http://schemas.microsoft.com/office/drawing/2010/main">
+        <mc:Choice Requires="a14">
           <p:sp>
             <p:nvSpPr>
               <p:cNvPr id="1048" name="מלבן 1047">
@@ -13122,7 +13122,7 @@
             </p:txBody>
           </p:sp>
         </mc:Choice>
-        <mc:Fallback>
+        <mc:Fallback xmlns="">
           <p:sp>
             <p:nvSpPr>
               <p:cNvPr id="1048" name="מלבן 1047">
@@ -13167,8 +13167,8 @@
           </p:sp>
         </mc:Fallback>
       </mc:AlternateContent>
-      <mc:AlternateContent xmlns:mc="http://schemas.openxmlformats.org/markup-compatibility/2006">
-        <mc:Choice xmlns:a14="http://schemas.microsoft.com/office/drawing/2010/main" Requires="a14">
+      <mc:AlternateContent xmlns:mc="http://schemas.openxmlformats.org/markup-compatibility/2006" xmlns:a14="http://schemas.microsoft.com/office/drawing/2010/main">
+        <mc:Choice Requires="a14">
           <p:sp>
             <p:nvSpPr>
               <p:cNvPr id="1049" name="מלבן 1048">
@@ -13248,7 +13248,7 @@
             </p:txBody>
           </p:sp>
         </mc:Choice>
-        <mc:Fallback>
+        <mc:Fallback xmlns="">
           <p:sp>
             <p:nvSpPr>
               <p:cNvPr id="1049" name="מלבן 1048">
@@ -13293,8 +13293,8 @@
           </p:sp>
         </mc:Fallback>
       </mc:AlternateContent>
-      <mc:AlternateContent xmlns:mc="http://schemas.openxmlformats.org/markup-compatibility/2006">
-        <mc:Choice xmlns:a14="http://schemas.microsoft.com/office/drawing/2010/main" Requires="a14">
+      <mc:AlternateContent xmlns:mc="http://schemas.openxmlformats.org/markup-compatibility/2006" xmlns:a14="http://schemas.microsoft.com/office/drawing/2010/main">
+        <mc:Choice Requires="a14">
           <p:sp>
             <p:nvSpPr>
               <p:cNvPr id="1050" name="מלבן 1049">
@@ -13374,7 +13374,7 @@
             </p:txBody>
           </p:sp>
         </mc:Choice>
-        <mc:Fallback>
+        <mc:Fallback xmlns="">
           <p:sp>
             <p:nvSpPr>
               <p:cNvPr id="1050" name="מלבן 1049">
@@ -13989,8 +13989,8 @@
           </a:p>
         </p:txBody>
       </p:sp>
-      <mc:AlternateContent xmlns:mc="http://schemas.openxmlformats.org/markup-compatibility/2006">
-        <mc:Choice xmlns:a14="http://schemas.microsoft.com/office/drawing/2010/main" Requires="a14">
+      <mc:AlternateContent xmlns:mc="http://schemas.openxmlformats.org/markup-compatibility/2006" xmlns:a14="http://schemas.microsoft.com/office/drawing/2010/main">
+        <mc:Choice Requires="a14">
           <p:sp>
             <p:nvSpPr>
               <p:cNvPr id="1068" name="מלבן 1067">
@@ -14070,7 +14070,7 @@
             </p:txBody>
           </p:sp>
         </mc:Choice>
-        <mc:Fallback>
+        <mc:Fallback xmlns="">
           <p:sp>
             <p:nvSpPr>
               <p:cNvPr id="1068" name="מלבן 1067">
@@ -14209,6 +14209,1676 @@
                 <a:schemeClr val="tx1"/>
               </a:solidFill>
             </a:endParaRPr>
+          </a:p>
+        </p:txBody>
+      </p:sp>
+      <mc:AlternateContent xmlns:mc="http://schemas.openxmlformats.org/markup-compatibility/2006">
+        <mc:Choice xmlns:a14="http://schemas.microsoft.com/office/drawing/2010/main" Requires="a14">
+          <p:sp>
+            <p:nvSpPr>
+              <p:cNvPr id="2" name="מלבן 1">
+                <a:extLst>
+                  <a:ext uri="{FF2B5EF4-FFF2-40B4-BE49-F238E27FC236}">
+                    <a16:creationId xmlns:a16="http://schemas.microsoft.com/office/drawing/2014/main" id="{36487D89-B0F9-7FDA-11DA-F872F8817A79}"/>
+                  </a:ext>
+                </a:extLst>
+              </p:cNvPr>
+              <p:cNvSpPr/>
+              <p:nvPr/>
+            </p:nvSpPr>
+            <p:spPr>
+              <a:xfrm>
+                <a:off x="11960156" y="1238652"/>
+                <a:ext cx="3139053" cy="397844"/>
+              </a:xfrm>
+              <a:prstGeom prst="rect">
+                <a:avLst/>
+              </a:prstGeom>
+            </p:spPr>
+            <p:style>
+              <a:lnRef idx="0">
+                <a:schemeClr val="accent5"/>
+              </a:lnRef>
+              <a:fillRef idx="3">
+                <a:schemeClr val="accent5"/>
+              </a:fillRef>
+              <a:effectRef idx="3">
+                <a:schemeClr val="accent5"/>
+              </a:effectRef>
+              <a:fontRef idx="minor">
+                <a:schemeClr val="lt1"/>
+              </a:fontRef>
+            </p:style>
+            <p:txBody>
+              <a:bodyPr rtlCol="1" anchor="ctr"/>
+              <a:lstStyle/>
+              <a:p>
+                <a:pPr algn="ctr" rtl="0"/>
+                <a14:m>
+                  <m:oMathPara xmlns:m="http://schemas.openxmlformats.org/officeDocument/2006/math">
+                    <m:oMathParaPr>
+                      <m:jc m:val="center"/>
+                    </m:oMathParaPr>
+                    <m:oMath xmlns:m="http://schemas.openxmlformats.org/officeDocument/2006/math">
+                      <m:r>
+                        <a:rPr lang="en-US" b="0" i="1" smtClean="0">
+                          <a:latin typeface="Cambria Math" panose="02040503050406030204" pitchFamily="18" charset="0"/>
+                        </a:rPr>
+                        <m:t>𝑀𝐾</m:t>
+                      </m:r>
+                      <m:r>
+                        <a:rPr lang="en-US" b="0" i="1" smtClean="0">
+                          <a:latin typeface="Cambria Math" panose="02040503050406030204" pitchFamily="18" charset="0"/>
+                        </a:rPr>
+                        <m:t> − </m:t>
+                      </m:r>
+                      <m:r>
+                        <a:rPr lang="en-US" b="0" i="1" smtClean="0">
+                          <a:latin typeface="Cambria Math" panose="02040503050406030204" pitchFamily="18" charset="0"/>
+                        </a:rPr>
+                        <m:t>𝐾𝑒𝑦</m:t>
+                      </m:r>
+                    </m:oMath>
+                  </m:oMathPara>
+                </a14:m>
+                <a:endParaRPr lang="he-IL" dirty="0"/>
+              </a:p>
+            </p:txBody>
+          </p:sp>
+        </mc:Choice>
+        <mc:Fallback>
+          <p:sp>
+            <p:nvSpPr>
+              <p:cNvPr id="2" name="מלבן 1">
+                <a:extLst>
+                  <a:ext uri="{FF2B5EF4-FFF2-40B4-BE49-F238E27FC236}">
+                    <a16:creationId xmlns:a16="http://schemas.microsoft.com/office/drawing/2014/main" id="{36487D89-B0F9-7FDA-11DA-F872F8817A79}"/>
+                  </a:ext>
+                </a:extLst>
+              </p:cNvPr>
+              <p:cNvSpPr>
+                <a:spLocks noRot="1" noChangeAspect="1" noMove="1" noResize="1" noEditPoints="1" noAdjustHandles="1" noChangeArrowheads="1" noChangeShapeType="1" noTextEdit="1"/>
+              </p:cNvSpPr>
+              <p:nvPr/>
+            </p:nvSpPr>
+            <p:spPr>
+              <a:xfrm>
+                <a:off x="11960156" y="1238652"/>
+                <a:ext cx="3139053" cy="397844"/>
+              </a:xfrm>
+              <a:prstGeom prst="rect">
+                <a:avLst/>
+              </a:prstGeom>
+              <a:blipFill>
+                <a:blip r:embed="rId20"/>
+                <a:stretch>
+                  <a:fillRect/>
+                </a:stretch>
+              </a:blipFill>
+            </p:spPr>
+            <p:txBody>
+              <a:bodyPr/>
+              <a:lstStyle/>
+              <a:p>
+                <a:r>
+                  <a:rPr lang="he-IL">
+                    <a:noFill/>
+                  </a:rPr>
+                  <a:t> </a:t>
+                </a:r>
+              </a:p>
+            </p:txBody>
+          </p:sp>
+        </mc:Fallback>
+      </mc:AlternateContent>
+      <p:sp>
+        <p:nvSpPr>
+          <p:cNvPr id="3" name="מלבן 2">
+            <a:extLst>
+              <a:ext uri="{FF2B5EF4-FFF2-40B4-BE49-F238E27FC236}">
+                <a16:creationId xmlns:a16="http://schemas.microsoft.com/office/drawing/2014/main" id="{66832FC9-EC12-6BC9-D79E-D2667EED9171}"/>
+              </a:ext>
+            </a:extLst>
+          </p:cNvPr>
+          <p:cNvSpPr/>
+          <p:nvPr/>
+        </p:nvSpPr>
+        <p:spPr>
+          <a:xfrm>
+            <a:off x="14852283" y="1436199"/>
+            <a:ext cx="241300" cy="188532"/>
+          </a:xfrm>
+          <a:prstGeom prst="rect">
+            <a:avLst/>
+          </a:prstGeom>
+          <a:ln/>
+        </p:spPr>
+        <p:style>
+          <a:lnRef idx="1">
+            <a:schemeClr val="accent1"/>
+          </a:lnRef>
+          <a:fillRef idx="3">
+            <a:schemeClr val="accent1"/>
+          </a:fillRef>
+          <a:effectRef idx="2">
+            <a:schemeClr val="accent1"/>
+          </a:effectRef>
+          <a:fontRef idx="minor">
+            <a:schemeClr val="lt1"/>
+          </a:fontRef>
+        </p:style>
+        <p:txBody>
+          <a:bodyPr lIns="0" tIns="0" rIns="0" bIns="0" rtlCol="1" anchor="ctr"/>
+          <a:lstStyle/>
+          <a:p>
+            <a:pPr algn="ctr"/>
+            <a:r>
+              <a:rPr lang="en-US" sz="1100" dirty="0"/>
+              <a:t>128</a:t>
+            </a:r>
+            <a:endParaRPr lang="he-IL" sz="1100" dirty="0"/>
+          </a:p>
+        </p:txBody>
+      </p:sp>
+      <p:sp>
+        <p:nvSpPr>
+          <p:cNvPr id="5" name="חץ: למטה 4">
+            <a:extLst>
+              <a:ext uri="{FF2B5EF4-FFF2-40B4-BE49-F238E27FC236}">
+                <a16:creationId xmlns:a16="http://schemas.microsoft.com/office/drawing/2014/main" id="{C49FE44B-34AD-8B2C-CAA8-4309D5505BAE}"/>
+              </a:ext>
+            </a:extLst>
+          </p:cNvPr>
+          <p:cNvSpPr/>
+          <p:nvPr/>
+        </p:nvSpPr>
+        <p:spPr>
+          <a:xfrm>
+            <a:off x="13427963" y="1651540"/>
+            <a:ext cx="232662" cy="397844"/>
+          </a:xfrm>
+          <a:prstGeom prst="downArrow">
+            <a:avLst/>
+          </a:prstGeom>
+          <a:ln>
+            <a:noFill/>
+          </a:ln>
+        </p:spPr>
+        <p:style>
+          <a:lnRef idx="3">
+            <a:schemeClr val="lt1"/>
+          </a:lnRef>
+          <a:fillRef idx="1">
+            <a:schemeClr val="accent4"/>
+          </a:fillRef>
+          <a:effectRef idx="1">
+            <a:schemeClr val="accent4"/>
+          </a:effectRef>
+          <a:fontRef idx="minor">
+            <a:schemeClr val="lt1"/>
+          </a:fontRef>
+        </p:style>
+        <p:txBody>
+          <a:bodyPr rtlCol="1" anchor="ctr"/>
+          <a:lstStyle/>
+          <a:p>
+            <a:pPr algn="ctr"/>
+            <a:endParaRPr lang="he-IL"/>
+          </a:p>
+        </p:txBody>
+      </p:sp>
+      <mc:AlternateContent xmlns:mc="http://schemas.openxmlformats.org/markup-compatibility/2006">
+        <mc:Choice xmlns:a14="http://schemas.microsoft.com/office/drawing/2010/main" Requires="a14">
+          <p:sp>
+            <p:nvSpPr>
+              <p:cNvPr id="6" name="מלבן 5">
+                <a:extLst>
+                  <a:ext uri="{FF2B5EF4-FFF2-40B4-BE49-F238E27FC236}">
+                    <a16:creationId xmlns:a16="http://schemas.microsoft.com/office/drawing/2014/main" id="{5EAA56B4-FECF-8185-07B8-B6C974360816}"/>
+                  </a:ext>
+                </a:extLst>
+              </p:cNvPr>
+              <p:cNvSpPr/>
+              <p:nvPr/>
+            </p:nvSpPr>
+            <p:spPr>
+              <a:xfrm>
+                <a:off x="17040085" y="1238652"/>
+                <a:ext cx="3139052" cy="397844"/>
+              </a:xfrm>
+              <a:prstGeom prst="rect">
+                <a:avLst/>
+              </a:prstGeom>
+            </p:spPr>
+            <p:style>
+              <a:lnRef idx="0">
+                <a:schemeClr val="accent3"/>
+              </a:lnRef>
+              <a:fillRef idx="3">
+                <a:schemeClr val="accent3"/>
+              </a:fillRef>
+              <a:effectRef idx="3">
+                <a:schemeClr val="accent3"/>
+              </a:effectRef>
+              <a:fontRef idx="minor">
+                <a:schemeClr val="lt1"/>
+              </a:fontRef>
+            </p:style>
+            <p:txBody>
+              <a:bodyPr rtlCol="1" anchor="ctr"/>
+              <a:lstStyle/>
+              <a:p>
+                <a:pPr algn="ctr" rtl="0"/>
+                <a14:m>
+                  <m:oMathPara xmlns:m="http://schemas.openxmlformats.org/officeDocument/2006/math">
+                    <m:oMathParaPr>
+                      <m:jc m:val="center"/>
+                    </m:oMathParaPr>
+                    <m:oMath xmlns:m="http://schemas.openxmlformats.org/officeDocument/2006/math">
+                      <m:r>
+                        <a:rPr lang="en-US" b="0" i="1" smtClean="0">
+                          <a:latin typeface="Cambria Math" panose="02040503050406030204" pitchFamily="18" charset="0"/>
+                        </a:rPr>
+                        <m:t>𝐹𝐾</m:t>
+                      </m:r>
+                      <m:r>
+                        <a:rPr lang="en-US" b="0" i="1" smtClean="0">
+                          <a:latin typeface="Cambria Math" panose="02040503050406030204" pitchFamily="18" charset="0"/>
+                        </a:rPr>
+                        <m:t> −</m:t>
+                      </m:r>
+                      <m:r>
+                        <a:rPr lang="en-US" b="0" i="1" smtClean="0">
+                          <a:latin typeface="Cambria Math" panose="02040503050406030204" pitchFamily="18" charset="0"/>
+                        </a:rPr>
+                        <m:t>𝑐𝑜𝑛𝑠𝑡𝑎𝑛𝑡</m:t>
+                      </m:r>
+                    </m:oMath>
+                  </m:oMathPara>
+                </a14:m>
+                <a:endParaRPr lang="he-IL" dirty="0"/>
+              </a:p>
+            </p:txBody>
+          </p:sp>
+        </mc:Choice>
+        <mc:Fallback>
+          <p:sp>
+            <p:nvSpPr>
+              <p:cNvPr id="6" name="מלבן 5">
+                <a:extLst>
+                  <a:ext uri="{FF2B5EF4-FFF2-40B4-BE49-F238E27FC236}">
+                    <a16:creationId xmlns:a16="http://schemas.microsoft.com/office/drawing/2014/main" id="{5EAA56B4-FECF-8185-07B8-B6C974360816}"/>
+                  </a:ext>
+                </a:extLst>
+              </p:cNvPr>
+              <p:cNvSpPr>
+                <a:spLocks noRot="1" noChangeAspect="1" noMove="1" noResize="1" noEditPoints="1" noAdjustHandles="1" noChangeArrowheads="1" noChangeShapeType="1" noTextEdit="1"/>
+              </p:cNvSpPr>
+              <p:nvPr/>
+            </p:nvSpPr>
+            <p:spPr>
+              <a:xfrm>
+                <a:off x="17040085" y="1238652"/>
+                <a:ext cx="3139052" cy="397844"/>
+              </a:xfrm>
+              <a:prstGeom prst="rect">
+                <a:avLst/>
+              </a:prstGeom>
+              <a:blipFill>
+                <a:blip r:embed="rId21"/>
+                <a:stretch>
+                  <a:fillRect/>
+                </a:stretch>
+              </a:blipFill>
+            </p:spPr>
+            <p:txBody>
+              <a:bodyPr/>
+              <a:lstStyle/>
+              <a:p>
+                <a:r>
+                  <a:rPr lang="he-IL">
+                    <a:noFill/>
+                  </a:rPr>
+                  <a:t> </a:t>
+                </a:r>
+              </a:p>
+            </p:txBody>
+          </p:sp>
+        </mc:Fallback>
+      </mc:AlternateContent>
+      <p:sp>
+        <p:nvSpPr>
+          <p:cNvPr id="7" name="חץ: למטה 6">
+            <a:extLst>
+              <a:ext uri="{FF2B5EF4-FFF2-40B4-BE49-F238E27FC236}">
+                <a16:creationId xmlns:a16="http://schemas.microsoft.com/office/drawing/2014/main" id="{0B111D2B-3603-D612-E212-6CF84202D393}"/>
+              </a:ext>
+            </a:extLst>
+          </p:cNvPr>
+          <p:cNvSpPr/>
+          <p:nvPr/>
+        </p:nvSpPr>
+        <p:spPr>
+          <a:xfrm>
+            <a:off x="18501120" y="1651540"/>
+            <a:ext cx="232662" cy="397844"/>
+          </a:xfrm>
+          <a:prstGeom prst="downArrow">
+            <a:avLst/>
+          </a:prstGeom>
+          <a:ln>
+            <a:noFill/>
+          </a:ln>
+        </p:spPr>
+        <p:style>
+          <a:lnRef idx="3">
+            <a:schemeClr val="lt1"/>
+          </a:lnRef>
+          <a:fillRef idx="1">
+            <a:schemeClr val="accent4"/>
+          </a:fillRef>
+          <a:effectRef idx="1">
+            <a:schemeClr val="accent4"/>
+          </a:effectRef>
+          <a:fontRef idx="minor">
+            <a:schemeClr val="lt1"/>
+          </a:fontRef>
+        </p:style>
+        <p:txBody>
+          <a:bodyPr rtlCol="1" anchor="ctr"/>
+          <a:lstStyle/>
+          <a:p>
+            <a:pPr algn="ctr"/>
+            <a:endParaRPr lang="he-IL"/>
+          </a:p>
+        </p:txBody>
+      </p:sp>
+      <mc:AlternateContent xmlns:mc="http://schemas.openxmlformats.org/markup-compatibility/2006">
+        <mc:Choice xmlns:a14="http://schemas.microsoft.com/office/drawing/2010/main" Requires="a14">
+          <p:sp>
+            <p:nvSpPr>
+              <p:cNvPr id="8" name="מלבן 7">
+                <a:extLst>
+                  <a:ext uri="{FF2B5EF4-FFF2-40B4-BE49-F238E27FC236}">
+                    <a16:creationId xmlns:a16="http://schemas.microsoft.com/office/drawing/2014/main" id="{A255BA28-EC30-EB8E-024C-8DE76DDC5199}"/>
+                  </a:ext>
+                </a:extLst>
+              </p:cNvPr>
+              <p:cNvSpPr/>
+              <p:nvPr/>
+            </p:nvSpPr>
+            <p:spPr>
+              <a:xfrm>
+                <a:off x="20475589" y="3201112"/>
+                <a:ext cx="782855" cy="397844"/>
+              </a:xfrm>
+              <a:prstGeom prst="rect">
+                <a:avLst/>
+              </a:prstGeom>
+              <a:solidFill>
+                <a:schemeClr val="accent5">
+                  <a:lumMod val="40000"/>
+                  <a:lumOff val="60000"/>
+                </a:schemeClr>
+              </a:solidFill>
+            </p:spPr>
+            <p:style>
+              <a:lnRef idx="1">
+                <a:schemeClr val="dk1"/>
+              </a:lnRef>
+              <a:fillRef idx="3">
+                <a:schemeClr val="dk1"/>
+              </a:fillRef>
+              <a:effectRef idx="2">
+                <a:schemeClr val="dk1"/>
+              </a:effectRef>
+              <a:fontRef idx="minor">
+                <a:schemeClr val="lt1"/>
+              </a:fontRef>
+            </p:style>
+            <p:txBody>
+              <a:bodyPr lIns="36000" rtlCol="1" anchor="ctr"/>
+              <a:lstStyle/>
+              <a:p>
+                <a:pPr algn="ctr" rtl="0"/>
+                <a14:m>
+                  <m:oMathPara xmlns:m="http://schemas.openxmlformats.org/officeDocument/2006/math">
+                    <m:oMathParaPr>
+                      <m:jc m:val="center"/>
+                    </m:oMathParaPr>
+                    <m:oMath xmlns:m="http://schemas.openxmlformats.org/officeDocument/2006/math">
+                      <m:sSub>
+                        <m:sSubPr>
+                          <m:ctrlPr>
+                            <a:rPr lang="en-US" sz="1600" i="1" smtClean="0">
+                              <a:latin typeface="Cambria Math" panose="02040503050406030204" pitchFamily="18" charset="0"/>
+                            </a:rPr>
+                          </m:ctrlPr>
+                        </m:sSubPr>
+                        <m:e>
+                          <m:r>
+                            <a:rPr lang="en-US" sz="1600" b="0" i="1" smtClean="0">
+                              <a:latin typeface="Cambria Math" panose="02040503050406030204" pitchFamily="18" charset="0"/>
+                            </a:rPr>
+                            <m:t>𝐶𝐾</m:t>
+                          </m:r>
+                        </m:e>
+                        <m:sub>
+                          <m:r>
+                            <a:rPr lang="en-US" sz="1600" b="0" i="1" smtClean="0">
+                              <a:latin typeface="Cambria Math" panose="02040503050406030204" pitchFamily="18" charset="0"/>
+                            </a:rPr>
+                            <m:t>0</m:t>
+                          </m:r>
+                        </m:sub>
+                      </m:sSub>
+                    </m:oMath>
+                  </m:oMathPara>
+                </a14:m>
+                <a:endParaRPr lang="he-IL" dirty="0"/>
+              </a:p>
+            </p:txBody>
+          </p:sp>
+        </mc:Choice>
+        <mc:Fallback>
+          <p:sp>
+            <p:nvSpPr>
+              <p:cNvPr id="8" name="מלבן 7">
+                <a:extLst>
+                  <a:ext uri="{FF2B5EF4-FFF2-40B4-BE49-F238E27FC236}">
+                    <a16:creationId xmlns:a16="http://schemas.microsoft.com/office/drawing/2014/main" id="{A255BA28-EC30-EB8E-024C-8DE76DDC5199}"/>
+                  </a:ext>
+                </a:extLst>
+              </p:cNvPr>
+              <p:cNvSpPr>
+                <a:spLocks noRot="1" noChangeAspect="1" noMove="1" noResize="1" noEditPoints="1" noAdjustHandles="1" noChangeArrowheads="1" noChangeShapeType="1" noTextEdit="1"/>
+              </p:cNvSpPr>
+              <p:nvPr/>
+            </p:nvSpPr>
+            <p:spPr>
+              <a:xfrm>
+                <a:off x="20475589" y="3201112"/>
+                <a:ext cx="782855" cy="397844"/>
+              </a:xfrm>
+              <a:prstGeom prst="rect">
+                <a:avLst/>
+              </a:prstGeom>
+              <a:blipFill>
+                <a:blip r:embed="rId22"/>
+                <a:stretch>
+                  <a:fillRect/>
+                </a:stretch>
+              </a:blipFill>
+            </p:spPr>
+            <p:txBody>
+              <a:bodyPr/>
+              <a:lstStyle/>
+              <a:p>
+                <a:r>
+                  <a:rPr lang="he-IL">
+                    <a:noFill/>
+                  </a:rPr>
+                  <a:t> </a:t>
+                </a:r>
+              </a:p>
+            </p:txBody>
+          </p:sp>
+        </mc:Fallback>
+      </mc:AlternateContent>
+      <mc:AlternateContent xmlns:mc="http://schemas.openxmlformats.org/markup-compatibility/2006">
+        <mc:Choice xmlns:a14="http://schemas.microsoft.com/office/drawing/2010/main" Requires="a14">
+          <p:sp>
+            <p:nvSpPr>
+              <p:cNvPr id="9" name="מלבן 8">
+                <a:extLst>
+                  <a:ext uri="{FF2B5EF4-FFF2-40B4-BE49-F238E27FC236}">
+                    <a16:creationId xmlns:a16="http://schemas.microsoft.com/office/drawing/2014/main" id="{25BBB76F-1B2E-4E98-660F-2B95B79E5486}"/>
+                  </a:ext>
+                </a:extLst>
+              </p:cNvPr>
+              <p:cNvSpPr/>
+              <p:nvPr/>
+            </p:nvSpPr>
+            <p:spPr>
+              <a:xfrm>
+                <a:off x="20475588" y="3617293"/>
+                <a:ext cx="782855" cy="397844"/>
+              </a:xfrm>
+              <a:prstGeom prst="rect">
+                <a:avLst/>
+              </a:prstGeom>
+              <a:solidFill>
+                <a:schemeClr val="accent5">
+                  <a:lumMod val="40000"/>
+                  <a:lumOff val="60000"/>
+                </a:schemeClr>
+              </a:solidFill>
+            </p:spPr>
+            <p:style>
+              <a:lnRef idx="1">
+                <a:schemeClr val="dk1"/>
+              </a:lnRef>
+              <a:fillRef idx="3">
+                <a:schemeClr val="dk1"/>
+              </a:fillRef>
+              <a:effectRef idx="2">
+                <a:schemeClr val="dk1"/>
+              </a:effectRef>
+              <a:fontRef idx="minor">
+                <a:schemeClr val="lt1"/>
+              </a:fontRef>
+            </p:style>
+            <p:txBody>
+              <a:bodyPr lIns="36000" rtlCol="1" anchor="ctr"/>
+              <a:lstStyle/>
+              <a:p>
+                <a:pPr algn="ctr" rtl="0"/>
+                <a14:m>
+                  <m:oMathPara xmlns:m="http://schemas.openxmlformats.org/officeDocument/2006/math">
+                    <m:oMathParaPr>
+                      <m:jc m:val="center"/>
+                    </m:oMathParaPr>
+                    <m:oMath xmlns:m="http://schemas.openxmlformats.org/officeDocument/2006/math">
+                      <m:sSub>
+                        <m:sSubPr>
+                          <m:ctrlPr>
+                            <a:rPr lang="en-US" sz="1600" i="1" smtClean="0">
+                              <a:latin typeface="Cambria Math" panose="02040503050406030204" pitchFamily="18" charset="0"/>
+                            </a:rPr>
+                          </m:ctrlPr>
+                        </m:sSubPr>
+                        <m:e>
+                          <m:r>
+                            <a:rPr lang="en-US" sz="1600" b="0" i="1" smtClean="0">
+                              <a:latin typeface="Cambria Math" panose="02040503050406030204" pitchFamily="18" charset="0"/>
+                            </a:rPr>
+                            <m:t>𝐶𝐾</m:t>
+                          </m:r>
+                        </m:e>
+                        <m:sub>
+                          <m:r>
+                            <a:rPr lang="en-US" sz="1600" b="0" i="1" smtClean="0">
+                              <a:latin typeface="Cambria Math" panose="02040503050406030204" pitchFamily="18" charset="0"/>
+                            </a:rPr>
+                            <m:t>1</m:t>
+                          </m:r>
+                        </m:sub>
+                      </m:sSub>
+                    </m:oMath>
+                  </m:oMathPara>
+                </a14:m>
+                <a:endParaRPr lang="he-IL" dirty="0"/>
+              </a:p>
+            </p:txBody>
+          </p:sp>
+        </mc:Choice>
+        <mc:Fallback>
+          <p:sp>
+            <p:nvSpPr>
+              <p:cNvPr id="9" name="מלבן 8">
+                <a:extLst>
+                  <a:ext uri="{FF2B5EF4-FFF2-40B4-BE49-F238E27FC236}">
+                    <a16:creationId xmlns:a16="http://schemas.microsoft.com/office/drawing/2014/main" id="{25BBB76F-1B2E-4E98-660F-2B95B79E5486}"/>
+                  </a:ext>
+                </a:extLst>
+              </p:cNvPr>
+              <p:cNvSpPr>
+                <a:spLocks noRot="1" noChangeAspect="1" noMove="1" noResize="1" noEditPoints="1" noAdjustHandles="1" noChangeArrowheads="1" noChangeShapeType="1" noTextEdit="1"/>
+              </p:cNvSpPr>
+              <p:nvPr/>
+            </p:nvSpPr>
+            <p:spPr>
+              <a:xfrm>
+                <a:off x="20475588" y="3617293"/>
+                <a:ext cx="782855" cy="397844"/>
+              </a:xfrm>
+              <a:prstGeom prst="rect">
+                <a:avLst/>
+              </a:prstGeom>
+              <a:blipFill>
+                <a:blip r:embed="rId23"/>
+                <a:stretch>
+                  <a:fillRect/>
+                </a:stretch>
+              </a:blipFill>
+            </p:spPr>
+            <p:txBody>
+              <a:bodyPr/>
+              <a:lstStyle/>
+              <a:p>
+                <a:r>
+                  <a:rPr lang="he-IL">
+                    <a:noFill/>
+                  </a:rPr>
+                  <a:t> </a:t>
+                </a:r>
+              </a:p>
+            </p:txBody>
+          </p:sp>
+        </mc:Fallback>
+      </mc:AlternateContent>
+      <mc:AlternateContent xmlns:mc="http://schemas.openxmlformats.org/markup-compatibility/2006">
+        <mc:Choice xmlns:a14="http://schemas.microsoft.com/office/drawing/2010/main" Requires="a14">
+          <p:sp>
+            <p:nvSpPr>
+              <p:cNvPr id="10" name="מלבן 9">
+                <a:extLst>
+                  <a:ext uri="{FF2B5EF4-FFF2-40B4-BE49-F238E27FC236}">
+                    <a16:creationId xmlns:a16="http://schemas.microsoft.com/office/drawing/2014/main" id="{3055F5C7-915D-44F3-7831-D30AFF5C84E5}"/>
+                  </a:ext>
+                </a:extLst>
+              </p:cNvPr>
+              <p:cNvSpPr/>
+              <p:nvPr/>
+            </p:nvSpPr>
+            <p:spPr>
+              <a:xfrm>
+                <a:off x="20475588" y="4032160"/>
+                <a:ext cx="782855" cy="397844"/>
+              </a:xfrm>
+              <a:prstGeom prst="rect">
+                <a:avLst/>
+              </a:prstGeom>
+              <a:solidFill>
+                <a:schemeClr val="accent5">
+                  <a:lumMod val="40000"/>
+                  <a:lumOff val="60000"/>
+                </a:schemeClr>
+              </a:solidFill>
+            </p:spPr>
+            <p:style>
+              <a:lnRef idx="1">
+                <a:schemeClr val="dk1"/>
+              </a:lnRef>
+              <a:fillRef idx="3">
+                <a:schemeClr val="dk1"/>
+              </a:fillRef>
+              <a:effectRef idx="2">
+                <a:schemeClr val="dk1"/>
+              </a:effectRef>
+              <a:fontRef idx="minor">
+                <a:schemeClr val="lt1"/>
+              </a:fontRef>
+            </p:style>
+            <p:txBody>
+              <a:bodyPr lIns="36000" rtlCol="1" anchor="ctr"/>
+              <a:lstStyle/>
+              <a:p>
+                <a:pPr algn="ctr" rtl="0"/>
+                <a14:m>
+                  <m:oMathPara xmlns:m="http://schemas.openxmlformats.org/officeDocument/2006/math">
+                    <m:oMathParaPr>
+                      <m:jc m:val="center"/>
+                    </m:oMathParaPr>
+                    <m:oMath xmlns:m="http://schemas.openxmlformats.org/officeDocument/2006/math">
+                      <m:sSub>
+                        <m:sSubPr>
+                          <m:ctrlPr>
+                            <a:rPr lang="en-US" sz="1600" i="1" smtClean="0">
+                              <a:latin typeface="Cambria Math" panose="02040503050406030204" pitchFamily="18" charset="0"/>
+                            </a:rPr>
+                          </m:ctrlPr>
+                        </m:sSubPr>
+                        <m:e>
+                          <m:r>
+                            <a:rPr lang="en-US" sz="1600" b="0" i="1" smtClean="0">
+                              <a:latin typeface="Cambria Math" panose="02040503050406030204" pitchFamily="18" charset="0"/>
+                            </a:rPr>
+                            <m:t>𝐶𝐾</m:t>
+                          </m:r>
+                        </m:e>
+                        <m:sub>
+                          <m:r>
+                            <a:rPr lang="en-US" sz="1600" b="0" i="1" smtClean="0">
+                              <a:latin typeface="Cambria Math" panose="02040503050406030204" pitchFamily="18" charset="0"/>
+                            </a:rPr>
+                            <m:t>2</m:t>
+                          </m:r>
+                        </m:sub>
+                      </m:sSub>
+                    </m:oMath>
+                  </m:oMathPara>
+                </a14:m>
+                <a:endParaRPr lang="he-IL" dirty="0"/>
+              </a:p>
+            </p:txBody>
+          </p:sp>
+        </mc:Choice>
+        <mc:Fallback>
+          <p:sp>
+            <p:nvSpPr>
+              <p:cNvPr id="10" name="מלבן 9">
+                <a:extLst>
+                  <a:ext uri="{FF2B5EF4-FFF2-40B4-BE49-F238E27FC236}">
+                    <a16:creationId xmlns:a16="http://schemas.microsoft.com/office/drawing/2014/main" id="{3055F5C7-915D-44F3-7831-D30AFF5C84E5}"/>
+                  </a:ext>
+                </a:extLst>
+              </p:cNvPr>
+              <p:cNvSpPr>
+                <a:spLocks noRot="1" noChangeAspect="1" noMove="1" noResize="1" noEditPoints="1" noAdjustHandles="1" noChangeArrowheads="1" noChangeShapeType="1" noTextEdit="1"/>
+              </p:cNvSpPr>
+              <p:nvPr/>
+            </p:nvSpPr>
+            <p:spPr>
+              <a:xfrm>
+                <a:off x="20475588" y="4032160"/>
+                <a:ext cx="782855" cy="397844"/>
+              </a:xfrm>
+              <a:prstGeom prst="rect">
+                <a:avLst/>
+              </a:prstGeom>
+              <a:blipFill>
+                <a:blip r:embed="rId24"/>
+                <a:stretch>
+                  <a:fillRect/>
+                </a:stretch>
+              </a:blipFill>
+            </p:spPr>
+            <p:txBody>
+              <a:bodyPr/>
+              <a:lstStyle/>
+              <a:p>
+                <a:r>
+                  <a:rPr lang="he-IL">
+                    <a:noFill/>
+                  </a:rPr>
+                  <a:t> </a:t>
+                </a:r>
+              </a:p>
+            </p:txBody>
+          </p:sp>
+        </mc:Fallback>
+      </mc:AlternateContent>
+      <mc:AlternateContent xmlns:mc="http://schemas.openxmlformats.org/markup-compatibility/2006">
+        <mc:Choice xmlns:a14="http://schemas.microsoft.com/office/drawing/2010/main" Requires="a14">
+          <p:sp>
+            <p:nvSpPr>
+              <p:cNvPr id="17" name="מלבן 16">
+                <a:extLst>
+                  <a:ext uri="{FF2B5EF4-FFF2-40B4-BE49-F238E27FC236}">
+                    <a16:creationId xmlns:a16="http://schemas.microsoft.com/office/drawing/2014/main" id="{426E1EF7-4E58-ED38-DD35-506B6CA9C111}"/>
+                  </a:ext>
+                </a:extLst>
+              </p:cNvPr>
+              <p:cNvSpPr/>
+              <p:nvPr/>
+            </p:nvSpPr>
+            <p:spPr>
+              <a:xfrm>
+                <a:off x="20481788" y="4962360"/>
+                <a:ext cx="782855" cy="397844"/>
+              </a:xfrm>
+              <a:prstGeom prst="rect">
+                <a:avLst/>
+              </a:prstGeom>
+              <a:solidFill>
+                <a:schemeClr val="accent5">
+                  <a:lumMod val="40000"/>
+                  <a:lumOff val="60000"/>
+                </a:schemeClr>
+              </a:solidFill>
+            </p:spPr>
+            <p:style>
+              <a:lnRef idx="1">
+                <a:schemeClr val="dk1"/>
+              </a:lnRef>
+              <a:fillRef idx="3">
+                <a:schemeClr val="dk1"/>
+              </a:fillRef>
+              <a:effectRef idx="2">
+                <a:schemeClr val="dk1"/>
+              </a:effectRef>
+              <a:fontRef idx="minor">
+                <a:schemeClr val="lt1"/>
+              </a:fontRef>
+            </p:style>
+            <p:txBody>
+              <a:bodyPr lIns="36000" rtlCol="1" anchor="ctr"/>
+              <a:lstStyle/>
+              <a:p>
+                <a:pPr algn="ctr" rtl="0"/>
+                <a14:m>
+                  <m:oMathPara xmlns:m="http://schemas.openxmlformats.org/officeDocument/2006/math">
+                    <m:oMathParaPr>
+                      <m:jc m:val="center"/>
+                    </m:oMathParaPr>
+                    <m:oMath xmlns:m="http://schemas.openxmlformats.org/officeDocument/2006/math">
+                      <m:sSub>
+                        <m:sSubPr>
+                          <m:ctrlPr>
+                            <a:rPr lang="en-US" sz="1600" i="1" smtClean="0">
+                              <a:latin typeface="Cambria Math" panose="02040503050406030204" pitchFamily="18" charset="0"/>
+                            </a:rPr>
+                          </m:ctrlPr>
+                        </m:sSubPr>
+                        <m:e>
+                          <m:r>
+                            <a:rPr lang="en-US" sz="1600" b="0" i="1" smtClean="0">
+                              <a:latin typeface="Cambria Math" panose="02040503050406030204" pitchFamily="18" charset="0"/>
+                            </a:rPr>
+                            <m:t>𝐶𝐾</m:t>
+                          </m:r>
+                        </m:e>
+                        <m:sub>
+                          <m:r>
+                            <a:rPr lang="en-US" sz="1600" b="0" i="1" smtClean="0">
+                              <a:latin typeface="Cambria Math" panose="02040503050406030204" pitchFamily="18" charset="0"/>
+                            </a:rPr>
+                            <m:t>29</m:t>
+                          </m:r>
+                        </m:sub>
+                      </m:sSub>
+                    </m:oMath>
+                  </m:oMathPara>
+                </a14:m>
+                <a:endParaRPr lang="he-IL" dirty="0"/>
+              </a:p>
+            </p:txBody>
+          </p:sp>
+        </mc:Choice>
+        <mc:Fallback>
+          <p:sp>
+            <p:nvSpPr>
+              <p:cNvPr id="17" name="מלבן 16">
+                <a:extLst>
+                  <a:ext uri="{FF2B5EF4-FFF2-40B4-BE49-F238E27FC236}">
+                    <a16:creationId xmlns:a16="http://schemas.microsoft.com/office/drawing/2014/main" id="{426E1EF7-4E58-ED38-DD35-506B6CA9C111}"/>
+                  </a:ext>
+                </a:extLst>
+              </p:cNvPr>
+              <p:cNvSpPr>
+                <a:spLocks noRot="1" noChangeAspect="1" noMove="1" noResize="1" noEditPoints="1" noAdjustHandles="1" noChangeArrowheads="1" noChangeShapeType="1" noTextEdit="1"/>
+              </p:cNvSpPr>
+              <p:nvPr/>
+            </p:nvSpPr>
+            <p:spPr>
+              <a:xfrm>
+                <a:off x="20481788" y="4962360"/>
+                <a:ext cx="782855" cy="397844"/>
+              </a:xfrm>
+              <a:prstGeom prst="rect">
+                <a:avLst/>
+              </a:prstGeom>
+              <a:blipFill>
+                <a:blip r:embed="rId25"/>
+                <a:stretch>
+                  <a:fillRect/>
+                </a:stretch>
+              </a:blipFill>
+            </p:spPr>
+            <p:txBody>
+              <a:bodyPr/>
+              <a:lstStyle/>
+              <a:p>
+                <a:r>
+                  <a:rPr lang="he-IL">
+                    <a:noFill/>
+                  </a:rPr>
+                  <a:t> </a:t>
+                </a:r>
+              </a:p>
+            </p:txBody>
+          </p:sp>
+        </mc:Fallback>
+      </mc:AlternateContent>
+      <mc:AlternateContent xmlns:mc="http://schemas.openxmlformats.org/markup-compatibility/2006">
+        <mc:Choice xmlns:a14="http://schemas.microsoft.com/office/drawing/2010/main" Requires="a14">
+          <p:sp>
+            <p:nvSpPr>
+              <p:cNvPr id="18" name="מלבן 17">
+                <a:extLst>
+                  <a:ext uri="{FF2B5EF4-FFF2-40B4-BE49-F238E27FC236}">
+                    <a16:creationId xmlns:a16="http://schemas.microsoft.com/office/drawing/2014/main" id="{B05B0078-BD44-8C9F-E1B8-F9E513A67A3C}"/>
+                  </a:ext>
+                </a:extLst>
+              </p:cNvPr>
+              <p:cNvSpPr/>
+              <p:nvPr/>
+            </p:nvSpPr>
+            <p:spPr>
+              <a:xfrm>
+                <a:off x="20481788" y="5377227"/>
+                <a:ext cx="782855" cy="397844"/>
+              </a:xfrm>
+              <a:prstGeom prst="rect">
+                <a:avLst/>
+              </a:prstGeom>
+              <a:solidFill>
+                <a:schemeClr val="accent5">
+                  <a:lumMod val="40000"/>
+                  <a:lumOff val="60000"/>
+                </a:schemeClr>
+              </a:solidFill>
+            </p:spPr>
+            <p:style>
+              <a:lnRef idx="1">
+                <a:schemeClr val="dk1"/>
+              </a:lnRef>
+              <a:fillRef idx="3">
+                <a:schemeClr val="dk1"/>
+              </a:fillRef>
+              <a:effectRef idx="2">
+                <a:schemeClr val="dk1"/>
+              </a:effectRef>
+              <a:fontRef idx="minor">
+                <a:schemeClr val="lt1"/>
+              </a:fontRef>
+            </p:style>
+            <p:txBody>
+              <a:bodyPr lIns="36000" rtlCol="1" anchor="ctr"/>
+              <a:lstStyle/>
+              <a:p>
+                <a:pPr algn="ctr" rtl="0"/>
+                <a14:m>
+                  <m:oMathPara xmlns:m="http://schemas.openxmlformats.org/officeDocument/2006/math">
+                    <m:oMathParaPr>
+                      <m:jc m:val="center"/>
+                    </m:oMathParaPr>
+                    <m:oMath xmlns:m="http://schemas.openxmlformats.org/officeDocument/2006/math">
+                      <m:sSub>
+                        <m:sSubPr>
+                          <m:ctrlPr>
+                            <a:rPr lang="en-US" sz="1600" i="1" smtClean="0">
+                              <a:latin typeface="Cambria Math" panose="02040503050406030204" pitchFamily="18" charset="0"/>
+                            </a:rPr>
+                          </m:ctrlPr>
+                        </m:sSubPr>
+                        <m:e>
+                          <m:r>
+                            <a:rPr lang="en-US" sz="1600" b="0" i="1" smtClean="0">
+                              <a:latin typeface="Cambria Math" panose="02040503050406030204" pitchFamily="18" charset="0"/>
+                            </a:rPr>
+                            <m:t>𝐶𝐾</m:t>
+                          </m:r>
+                        </m:e>
+                        <m:sub>
+                          <m:r>
+                            <a:rPr lang="en-US" sz="1600" b="0" i="1" smtClean="0">
+                              <a:latin typeface="Cambria Math" panose="02040503050406030204" pitchFamily="18" charset="0"/>
+                            </a:rPr>
+                            <m:t>30</m:t>
+                          </m:r>
+                        </m:sub>
+                      </m:sSub>
+                    </m:oMath>
+                  </m:oMathPara>
+                </a14:m>
+                <a:endParaRPr lang="he-IL" dirty="0"/>
+              </a:p>
+            </p:txBody>
+          </p:sp>
+        </mc:Choice>
+        <mc:Fallback>
+          <p:sp>
+            <p:nvSpPr>
+              <p:cNvPr id="18" name="מלבן 17">
+                <a:extLst>
+                  <a:ext uri="{FF2B5EF4-FFF2-40B4-BE49-F238E27FC236}">
+                    <a16:creationId xmlns:a16="http://schemas.microsoft.com/office/drawing/2014/main" id="{B05B0078-BD44-8C9F-E1B8-F9E513A67A3C}"/>
+                  </a:ext>
+                </a:extLst>
+              </p:cNvPr>
+              <p:cNvSpPr>
+                <a:spLocks noRot="1" noChangeAspect="1" noMove="1" noResize="1" noEditPoints="1" noAdjustHandles="1" noChangeArrowheads="1" noChangeShapeType="1" noTextEdit="1"/>
+              </p:cNvSpPr>
+              <p:nvPr/>
+            </p:nvSpPr>
+            <p:spPr>
+              <a:xfrm>
+                <a:off x="20481788" y="5377227"/>
+                <a:ext cx="782855" cy="397844"/>
+              </a:xfrm>
+              <a:prstGeom prst="rect">
+                <a:avLst/>
+              </a:prstGeom>
+              <a:blipFill>
+                <a:blip r:embed="rId26"/>
+                <a:stretch>
+                  <a:fillRect/>
+                </a:stretch>
+              </a:blipFill>
+            </p:spPr>
+            <p:txBody>
+              <a:bodyPr/>
+              <a:lstStyle/>
+              <a:p>
+                <a:r>
+                  <a:rPr lang="he-IL">
+                    <a:noFill/>
+                  </a:rPr>
+                  <a:t> </a:t>
+                </a:r>
+              </a:p>
+            </p:txBody>
+          </p:sp>
+        </mc:Fallback>
+      </mc:AlternateContent>
+      <mc:AlternateContent xmlns:mc="http://schemas.openxmlformats.org/markup-compatibility/2006">
+        <mc:Choice xmlns:a14="http://schemas.microsoft.com/office/drawing/2010/main" Requires="a14">
+          <p:sp>
+            <p:nvSpPr>
+              <p:cNvPr id="19" name="מלבן 18">
+                <a:extLst>
+                  <a:ext uri="{FF2B5EF4-FFF2-40B4-BE49-F238E27FC236}">
+                    <a16:creationId xmlns:a16="http://schemas.microsoft.com/office/drawing/2014/main" id="{E9ABA228-9998-FC39-EAAE-57F0FF1A4F21}"/>
+                  </a:ext>
+                </a:extLst>
+              </p:cNvPr>
+              <p:cNvSpPr/>
+              <p:nvPr/>
+            </p:nvSpPr>
+            <p:spPr>
+              <a:xfrm>
+                <a:off x="20481787" y="5792422"/>
+                <a:ext cx="782855" cy="397844"/>
+              </a:xfrm>
+              <a:prstGeom prst="rect">
+                <a:avLst/>
+              </a:prstGeom>
+              <a:solidFill>
+                <a:schemeClr val="accent5">
+                  <a:lumMod val="40000"/>
+                  <a:lumOff val="60000"/>
+                </a:schemeClr>
+              </a:solidFill>
+            </p:spPr>
+            <p:style>
+              <a:lnRef idx="1">
+                <a:schemeClr val="dk1"/>
+              </a:lnRef>
+              <a:fillRef idx="3">
+                <a:schemeClr val="dk1"/>
+              </a:fillRef>
+              <a:effectRef idx="2">
+                <a:schemeClr val="dk1"/>
+              </a:effectRef>
+              <a:fontRef idx="minor">
+                <a:schemeClr val="lt1"/>
+              </a:fontRef>
+            </p:style>
+            <p:txBody>
+              <a:bodyPr lIns="0" rtlCol="1" anchor="ctr"/>
+              <a:lstStyle/>
+              <a:p>
+                <a:pPr algn="ctr" rtl="0"/>
+                <a14:m>
+                  <m:oMathPara xmlns:m="http://schemas.openxmlformats.org/officeDocument/2006/math">
+                    <m:oMathParaPr>
+                      <m:jc m:val="center"/>
+                    </m:oMathParaPr>
+                    <m:oMath xmlns:m="http://schemas.openxmlformats.org/officeDocument/2006/math">
+                      <m:sSub>
+                        <m:sSubPr>
+                          <m:ctrlPr>
+                            <a:rPr lang="en-US" sz="1600" i="1" smtClean="0">
+                              <a:latin typeface="Cambria Math" panose="02040503050406030204" pitchFamily="18" charset="0"/>
+                            </a:rPr>
+                          </m:ctrlPr>
+                        </m:sSubPr>
+                        <m:e>
+                          <m:r>
+                            <a:rPr lang="en-US" sz="1600" b="0" i="1" smtClean="0">
+                              <a:latin typeface="Cambria Math" panose="02040503050406030204" pitchFamily="18" charset="0"/>
+                            </a:rPr>
+                            <m:t>𝐶𝐾</m:t>
+                          </m:r>
+                        </m:e>
+                        <m:sub>
+                          <m:r>
+                            <a:rPr lang="en-US" sz="1600" b="0" i="1" smtClean="0">
+                              <a:latin typeface="Cambria Math" panose="02040503050406030204" pitchFamily="18" charset="0"/>
+                            </a:rPr>
+                            <m:t>31</m:t>
+                          </m:r>
+                        </m:sub>
+                      </m:sSub>
+                    </m:oMath>
+                  </m:oMathPara>
+                </a14:m>
+                <a:endParaRPr lang="he-IL" dirty="0"/>
+              </a:p>
+            </p:txBody>
+          </p:sp>
+        </mc:Choice>
+        <mc:Fallback>
+          <p:sp>
+            <p:nvSpPr>
+              <p:cNvPr id="19" name="מלבן 18">
+                <a:extLst>
+                  <a:ext uri="{FF2B5EF4-FFF2-40B4-BE49-F238E27FC236}">
+                    <a16:creationId xmlns:a16="http://schemas.microsoft.com/office/drawing/2014/main" id="{E9ABA228-9998-FC39-EAAE-57F0FF1A4F21}"/>
+                  </a:ext>
+                </a:extLst>
+              </p:cNvPr>
+              <p:cNvSpPr>
+                <a:spLocks noRot="1" noChangeAspect="1" noMove="1" noResize="1" noEditPoints="1" noAdjustHandles="1" noChangeArrowheads="1" noChangeShapeType="1" noTextEdit="1"/>
+              </p:cNvSpPr>
+              <p:nvPr/>
+            </p:nvSpPr>
+            <p:spPr>
+              <a:xfrm>
+                <a:off x="20481787" y="5792422"/>
+                <a:ext cx="782855" cy="397844"/>
+              </a:xfrm>
+              <a:prstGeom prst="rect">
+                <a:avLst/>
+              </a:prstGeom>
+              <a:blipFill>
+                <a:blip r:embed="rId27"/>
+                <a:stretch>
+                  <a:fillRect/>
+                </a:stretch>
+              </a:blipFill>
+            </p:spPr>
+            <p:txBody>
+              <a:bodyPr/>
+              <a:lstStyle/>
+              <a:p>
+                <a:r>
+                  <a:rPr lang="he-IL">
+                    <a:noFill/>
+                  </a:rPr>
+                  <a:t> </a:t>
+                </a:r>
+              </a:p>
+            </p:txBody>
+          </p:sp>
+        </mc:Fallback>
+      </mc:AlternateContent>
+      <p:sp>
+        <p:nvSpPr>
+          <p:cNvPr id="20" name="מלבן 19">
+            <a:extLst>
+              <a:ext uri="{FF2B5EF4-FFF2-40B4-BE49-F238E27FC236}">
+                <a16:creationId xmlns:a16="http://schemas.microsoft.com/office/drawing/2014/main" id="{062B0A58-2DB1-DB26-F9BD-F45FB1305B3F}"/>
+              </a:ext>
+            </a:extLst>
+          </p:cNvPr>
+          <p:cNvSpPr/>
+          <p:nvPr/>
+        </p:nvSpPr>
+        <p:spPr>
+          <a:xfrm>
+            <a:off x="21017143" y="6001734"/>
+            <a:ext cx="241300" cy="188532"/>
+          </a:xfrm>
+          <a:prstGeom prst="rect">
+            <a:avLst/>
+          </a:prstGeom>
+          <a:ln/>
+        </p:spPr>
+        <p:style>
+          <a:lnRef idx="1">
+            <a:schemeClr val="accent1"/>
+          </a:lnRef>
+          <a:fillRef idx="3">
+            <a:schemeClr val="accent1"/>
+          </a:fillRef>
+          <a:effectRef idx="2">
+            <a:schemeClr val="accent1"/>
+          </a:effectRef>
+          <a:fontRef idx="minor">
+            <a:schemeClr val="lt1"/>
+          </a:fontRef>
+        </p:style>
+        <p:txBody>
+          <a:bodyPr lIns="0" tIns="0" rIns="0" bIns="0" rtlCol="1" anchor="ctr"/>
+          <a:lstStyle/>
+          <a:p>
+            <a:pPr algn="ctr"/>
+            <a:r>
+              <a:rPr lang="en-US" sz="1100" dirty="0"/>
+              <a:t>32</a:t>
+            </a:r>
+            <a:endParaRPr lang="he-IL" sz="1100" dirty="0"/>
+          </a:p>
+        </p:txBody>
+      </p:sp>
+      <p:sp>
+        <p:nvSpPr>
+          <p:cNvPr id="21" name="מלבן 20">
+            <a:extLst>
+              <a:ext uri="{FF2B5EF4-FFF2-40B4-BE49-F238E27FC236}">
+                <a16:creationId xmlns:a16="http://schemas.microsoft.com/office/drawing/2014/main" id="{B8E36066-9FE0-E976-6292-694990B47E11}"/>
+              </a:ext>
+            </a:extLst>
+          </p:cNvPr>
+          <p:cNvSpPr/>
+          <p:nvPr/>
+        </p:nvSpPr>
+        <p:spPr>
+          <a:xfrm>
+            <a:off x="21006762" y="3405722"/>
+            <a:ext cx="241300" cy="188532"/>
+          </a:xfrm>
+          <a:prstGeom prst="rect">
+            <a:avLst/>
+          </a:prstGeom>
+          <a:ln/>
+        </p:spPr>
+        <p:style>
+          <a:lnRef idx="1">
+            <a:schemeClr val="accent1"/>
+          </a:lnRef>
+          <a:fillRef idx="3">
+            <a:schemeClr val="accent1"/>
+          </a:fillRef>
+          <a:effectRef idx="2">
+            <a:schemeClr val="accent1"/>
+          </a:effectRef>
+          <a:fontRef idx="minor">
+            <a:schemeClr val="lt1"/>
+          </a:fontRef>
+        </p:style>
+        <p:txBody>
+          <a:bodyPr lIns="0" tIns="0" rIns="0" bIns="0" rtlCol="1" anchor="ctr"/>
+          <a:lstStyle/>
+          <a:p>
+            <a:pPr algn="ctr"/>
+            <a:r>
+              <a:rPr lang="en-US" sz="1100" dirty="0"/>
+              <a:t>32</a:t>
+            </a:r>
+            <a:endParaRPr lang="he-IL" sz="1100" dirty="0"/>
+          </a:p>
+        </p:txBody>
+      </p:sp>
+      <p:sp>
+        <p:nvSpPr>
+          <p:cNvPr id="22" name="מלבן 21">
+            <a:extLst>
+              <a:ext uri="{FF2B5EF4-FFF2-40B4-BE49-F238E27FC236}">
+                <a16:creationId xmlns:a16="http://schemas.microsoft.com/office/drawing/2014/main" id="{D8C02E5A-5419-C737-229B-E719D6A6F21C}"/>
+              </a:ext>
+            </a:extLst>
+          </p:cNvPr>
+          <p:cNvSpPr/>
+          <p:nvPr/>
+        </p:nvSpPr>
+        <p:spPr>
+          <a:xfrm>
+            <a:off x="21017143" y="3816215"/>
+            <a:ext cx="241300" cy="188532"/>
+          </a:xfrm>
+          <a:prstGeom prst="rect">
+            <a:avLst/>
+          </a:prstGeom>
+          <a:ln/>
+        </p:spPr>
+        <p:style>
+          <a:lnRef idx="1">
+            <a:schemeClr val="accent1"/>
+          </a:lnRef>
+          <a:fillRef idx="3">
+            <a:schemeClr val="accent1"/>
+          </a:fillRef>
+          <a:effectRef idx="2">
+            <a:schemeClr val="accent1"/>
+          </a:effectRef>
+          <a:fontRef idx="minor">
+            <a:schemeClr val="lt1"/>
+          </a:fontRef>
+        </p:style>
+        <p:txBody>
+          <a:bodyPr lIns="0" tIns="0" rIns="0" bIns="0" rtlCol="1" anchor="ctr"/>
+          <a:lstStyle/>
+          <a:p>
+            <a:pPr algn="ctr"/>
+            <a:r>
+              <a:rPr lang="en-US" sz="1100" dirty="0"/>
+              <a:t>32</a:t>
+            </a:r>
+            <a:endParaRPr lang="he-IL" sz="1100" dirty="0"/>
+          </a:p>
+        </p:txBody>
+      </p:sp>
+      <p:sp>
+        <p:nvSpPr>
+          <p:cNvPr id="23" name="מלבן 22">
+            <a:extLst>
+              <a:ext uri="{FF2B5EF4-FFF2-40B4-BE49-F238E27FC236}">
+                <a16:creationId xmlns:a16="http://schemas.microsoft.com/office/drawing/2014/main" id="{54191C78-FD82-1EF8-5760-AE313BCE452F}"/>
+              </a:ext>
+            </a:extLst>
+          </p:cNvPr>
+          <p:cNvSpPr/>
+          <p:nvPr/>
+        </p:nvSpPr>
+        <p:spPr>
+          <a:xfrm>
+            <a:off x="21017143" y="4231082"/>
+            <a:ext cx="241300" cy="188532"/>
+          </a:xfrm>
+          <a:prstGeom prst="rect">
+            <a:avLst/>
+          </a:prstGeom>
+          <a:ln/>
+        </p:spPr>
+        <p:style>
+          <a:lnRef idx="1">
+            <a:schemeClr val="accent1"/>
+          </a:lnRef>
+          <a:fillRef idx="3">
+            <a:schemeClr val="accent1"/>
+          </a:fillRef>
+          <a:effectRef idx="2">
+            <a:schemeClr val="accent1"/>
+          </a:effectRef>
+          <a:fontRef idx="minor">
+            <a:schemeClr val="lt1"/>
+          </a:fontRef>
+        </p:style>
+        <p:txBody>
+          <a:bodyPr lIns="0" tIns="0" rIns="0" bIns="0" rtlCol="1" anchor="ctr"/>
+          <a:lstStyle/>
+          <a:p>
+            <a:pPr algn="ctr"/>
+            <a:r>
+              <a:rPr lang="en-US" sz="1100" dirty="0"/>
+              <a:t>32</a:t>
+            </a:r>
+            <a:endParaRPr lang="he-IL" sz="1100" dirty="0"/>
+          </a:p>
+        </p:txBody>
+      </p:sp>
+      <p:sp>
+        <p:nvSpPr>
+          <p:cNvPr id="24" name="מלבן 23">
+            <a:extLst>
+              <a:ext uri="{FF2B5EF4-FFF2-40B4-BE49-F238E27FC236}">
+                <a16:creationId xmlns:a16="http://schemas.microsoft.com/office/drawing/2014/main" id="{D978657D-609D-B1AA-2E19-69EC6F66284E}"/>
+              </a:ext>
+            </a:extLst>
+          </p:cNvPr>
+          <p:cNvSpPr/>
+          <p:nvPr/>
+        </p:nvSpPr>
+        <p:spPr>
+          <a:xfrm>
+            <a:off x="21012063" y="5163308"/>
+            <a:ext cx="241300" cy="188532"/>
+          </a:xfrm>
+          <a:prstGeom prst="rect">
+            <a:avLst/>
+          </a:prstGeom>
+          <a:ln/>
+        </p:spPr>
+        <p:style>
+          <a:lnRef idx="1">
+            <a:schemeClr val="accent1"/>
+          </a:lnRef>
+          <a:fillRef idx="3">
+            <a:schemeClr val="accent1"/>
+          </a:fillRef>
+          <a:effectRef idx="2">
+            <a:schemeClr val="accent1"/>
+          </a:effectRef>
+          <a:fontRef idx="minor">
+            <a:schemeClr val="lt1"/>
+          </a:fontRef>
+        </p:style>
+        <p:txBody>
+          <a:bodyPr lIns="0" tIns="0" rIns="0" bIns="0" rtlCol="1" anchor="ctr"/>
+          <a:lstStyle/>
+          <a:p>
+            <a:pPr algn="ctr"/>
+            <a:r>
+              <a:rPr lang="en-US" sz="1100" dirty="0"/>
+              <a:t>32</a:t>
+            </a:r>
+            <a:endParaRPr lang="he-IL" sz="1100" dirty="0"/>
+          </a:p>
+        </p:txBody>
+      </p:sp>
+      <p:sp>
+        <p:nvSpPr>
+          <p:cNvPr id="25" name="מלבן 24">
+            <a:extLst>
+              <a:ext uri="{FF2B5EF4-FFF2-40B4-BE49-F238E27FC236}">
+                <a16:creationId xmlns:a16="http://schemas.microsoft.com/office/drawing/2014/main" id="{D65AB460-07BD-308B-7AA3-80C4E0585417}"/>
+              </a:ext>
+            </a:extLst>
+          </p:cNvPr>
+          <p:cNvSpPr/>
+          <p:nvPr/>
+        </p:nvSpPr>
+        <p:spPr>
+          <a:xfrm>
+            <a:off x="21020529" y="5595437"/>
+            <a:ext cx="241300" cy="188532"/>
+          </a:xfrm>
+          <a:prstGeom prst="rect">
+            <a:avLst/>
+          </a:prstGeom>
+          <a:ln/>
+        </p:spPr>
+        <p:style>
+          <a:lnRef idx="1">
+            <a:schemeClr val="accent1"/>
+          </a:lnRef>
+          <a:fillRef idx="3">
+            <a:schemeClr val="accent1"/>
+          </a:fillRef>
+          <a:effectRef idx="2">
+            <a:schemeClr val="accent1"/>
+          </a:effectRef>
+          <a:fontRef idx="minor">
+            <a:schemeClr val="lt1"/>
+          </a:fontRef>
+        </p:style>
+        <p:txBody>
+          <a:bodyPr lIns="0" tIns="0" rIns="0" bIns="0" rtlCol="1" anchor="ctr"/>
+          <a:lstStyle/>
+          <a:p>
+            <a:pPr algn="ctr"/>
+            <a:r>
+              <a:rPr lang="en-US" sz="1100" dirty="0"/>
+              <a:t>32</a:t>
+            </a:r>
+            <a:endParaRPr lang="he-IL" sz="1100" dirty="0"/>
+          </a:p>
+        </p:txBody>
+      </p:sp>
+      <p:grpSp>
+        <p:nvGrpSpPr>
+          <p:cNvPr id="29" name="קבוצה 28">
+            <a:extLst>
+              <a:ext uri="{FF2B5EF4-FFF2-40B4-BE49-F238E27FC236}">
+                <a16:creationId xmlns:a16="http://schemas.microsoft.com/office/drawing/2014/main" id="{D33588B1-5ED2-1C92-95C2-1E8DAEE8F3B2}"/>
+              </a:ext>
+            </a:extLst>
+          </p:cNvPr>
+          <p:cNvGrpSpPr/>
+          <p:nvPr/>
+        </p:nvGrpSpPr>
+        <p:grpSpPr>
+          <a:xfrm>
+            <a:off x="20754185" y="4689978"/>
+            <a:ext cx="225660" cy="45719"/>
+            <a:chOff x="7463104" y="7748181"/>
+            <a:chExt cx="225660" cy="45719"/>
+          </a:xfrm>
+        </p:grpSpPr>
+        <p:sp>
+          <p:nvSpPr>
+            <p:cNvPr id="26" name="אליפסה 25">
+              <a:extLst>
+                <a:ext uri="{FF2B5EF4-FFF2-40B4-BE49-F238E27FC236}">
+                  <a16:creationId xmlns:a16="http://schemas.microsoft.com/office/drawing/2014/main" id="{C4F71A59-AE51-457F-553A-ABA98DDCA408}"/>
+                </a:ext>
+              </a:extLst>
+            </p:cNvPr>
+            <p:cNvSpPr/>
+            <p:nvPr/>
+          </p:nvSpPr>
+          <p:spPr>
+            <a:xfrm>
+              <a:off x="7463104" y="7748181"/>
+              <a:ext cx="45719" cy="45719"/>
+            </a:xfrm>
+            <a:prstGeom prst="ellipse">
+              <a:avLst/>
+            </a:prstGeom>
+          </p:spPr>
+          <p:style>
+            <a:lnRef idx="2">
+              <a:schemeClr val="dk1">
+                <a:shade val="15000"/>
+              </a:schemeClr>
+            </a:lnRef>
+            <a:fillRef idx="1">
+              <a:schemeClr val="dk1"/>
+            </a:fillRef>
+            <a:effectRef idx="0">
+              <a:schemeClr val="dk1"/>
+            </a:effectRef>
+            <a:fontRef idx="minor">
+              <a:schemeClr val="lt1"/>
+            </a:fontRef>
+          </p:style>
+          <p:txBody>
+            <a:bodyPr rtlCol="1" anchor="ctr"/>
+            <a:lstStyle/>
+            <a:p>
+              <a:pPr algn="ctr"/>
+              <a:endParaRPr lang="he-IL"/>
+            </a:p>
+          </p:txBody>
+        </p:sp>
+        <p:sp>
+          <p:nvSpPr>
+            <p:cNvPr id="27" name="אליפסה 26">
+              <a:extLst>
+                <a:ext uri="{FF2B5EF4-FFF2-40B4-BE49-F238E27FC236}">
+                  <a16:creationId xmlns:a16="http://schemas.microsoft.com/office/drawing/2014/main" id="{DD3E825F-EBD5-AD01-3711-1AE032741E17}"/>
+                </a:ext>
+              </a:extLst>
+            </p:cNvPr>
+            <p:cNvSpPr/>
+            <p:nvPr/>
+          </p:nvSpPr>
+          <p:spPr>
+            <a:xfrm>
+              <a:off x="7555519" y="7748181"/>
+              <a:ext cx="45719" cy="45719"/>
+            </a:xfrm>
+            <a:prstGeom prst="ellipse">
+              <a:avLst/>
+            </a:prstGeom>
+          </p:spPr>
+          <p:style>
+            <a:lnRef idx="2">
+              <a:schemeClr val="dk1">
+                <a:shade val="15000"/>
+              </a:schemeClr>
+            </a:lnRef>
+            <a:fillRef idx="1">
+              <a:schemeClr val="dk1"/>
+            </a:fillRef>
+            <a:effectRef idx="0">
+              <a:schemeClr val="dk1"/>
+            </a:effectRef>
+            <a:fontRef idx="minor">
+              <a:schemeClr val="lt1"/>
+            </a:fontRef>
+          </p:style>
+          <p:txBody>
+            <a:bodyPr rtlCol="1" anchor="ctr"/>
+            <a:lstStyle/>
+            <a:p>
+              <a:pPr algn="ctr"/>
+              <a:endParaRPr lang="he-IL"/>
+            </a:p>
+          </p:txBody>
+        </p:sp>
+        <p:sp>
+          <p:nvSpPr>
+            <p:cNvPr id="28" name="אליפסה 27">
+              <a:extLst>
+                <a:ext uri="{FF2B5EF4-FFF2-40B4-BE49-F238E27FC236}">
+                  <a16:creationId xmlns:a16="http://schemas.microsoft.com/office/drawing/2014/main" id="{50BB3763-9CE2-862C-4702-0456CA5FB028}"/>
+                </a:ext>
+              </a:extLst>
+            </p:cNvPr>
+            <p:cNvSpPr/>
+            <p:nvPr/>
+          </p:nvSpPr>
+          <p:spPr>
+            <a:xfrm>
+              <a:off x="7643045" y="7748181"/>
+              <a:ext cx="45719" cy="45719"/>
+            </a:xfrm>
+            <a:prstGeom prst="ellipse">
+              <a:avLst/>
+            </a:prstGeom>
+          </p:spPr>
+          <p:style>
+            <a:lnRef idx="2">
+              <a:schemeClr val="dk1">
+                <a:shade val="15000"/>
+              </a:schemeClr>
+            </a:lnRef>
+            <a:fillRef idx="1">
+              <a:schemeClr val="dk1"/>
+            </a:fillRef>
+            <a:effectRef idx="0">
+              <a:schemeClr val="dk1"/>
+            </a:effectRef>
+            <a:fontRef idx="minor">
+              <a:schemeClr val="lt1"/>
+            </a:fontRef>
+          </p:style>
+          <p:txBody>
+            <a:bodyPr rtlCol="1" anchor="ctr"/>
+            <a:lstStyle/>
+            <a:p>
+              <a:pPr algn="ctr"/>
+              <a:endParaRPr lang="he-IL"/>
+            </a:p>
+          </p:txBody>
+        </p:sp>
+      </p:grpSp>
+      <p:sp>
+        <p:nvSpPr>
+          <p:cNvPr id="30" name="חץ: למטה 29">
+            <a:extLst>
+              <a:ext uri="{FF2B5EF4-FFF2-40B4-BE49-F238E27FC236}">
+                <a16:creationId xmlns:a16="http://schemas.microsoft.com/office/drawing/2014/main" id="{47E77AA2-B24A-4560-A3F6-7F28B87EEC98}"/>
+              </a:ext>
+            </a:extLst>
+          </p:cNvPr>
+          <p:cNvSpPr/>
+          <p:nvPr/>
+        </p:nvSpPr>
+        <p:spPr>
+          <a:xfrm rot="5400000">
+            <a:off x="19368114" y="4164725"/>
+            <a:ext cx="269240" cy="865191"/>
+          </a:xfrm>
+          <a:prstGeom prst="downArrow">
+            <a:avLst/>
+          </a:prstGeom>
+        </p:spPr>
+        <p:style>
+          <a:lnRef idx="3">
+            <a:schemeClr val="lt1"/>
+          </a:lnRef>
+          <a:fillRef idx="1">
+            <a:schemeClr val="accent4"/>
+          </a:fillRef>
+          <a:effectRef idx="1">
+            <a:schemeClr val="accent4"/>
+          </a:effectRef>
+          <a:fontRef idx="minor">
+            <a:schemeClr val="lt1"/>
+          </a:fontRef>
+        </p:style>
+        <p:txBody>
+          <a:bodyPr rtlCol="1" anchor="ctr"/>
+          <a:lstStyle/>
+          <a:p>
+            <a:pPr algn="ctr"/>
+            <a:endParaRPr lang="he-IL"/>
           </a:p>
         </p:txBody>
       </p:sp>
@@ -16625,8 +18295,8 @@
           </a:fontRef>
         </p:style>
       </p:cxnSp>
-      <mc:AlternateContent xmlns:mc="http://schemas.openxmlformats.org/markup-compatibility/2006">
-        <mc:Choice xmlns:a14="http://schemas.microsoft.com/office/drawing/2010/main" Requires="a14">
+      <mc:AlternateContent xmlns:mc="http://schemas.openxmlformats.org/markup-compatibility/2006" xmlns:a14="http://schemas.microsoft.com/office/drawing/2010/main">
+        <mc:Choice Requires="a14">
           <p:sp>
             <p:nvSpPr>
               <p:cNvPr id="100" name="מציין מיקום תוכן 2">
@@ -16709,7 +18379,7 @@
             </p:txBody>
           </p:sp>
         </mc:Choice>
-        <mc:Fallback>
+        <mc:Fallback xmlns="">
           <p:sp>
             <p:nvSpPr>
               <p:cNvPr id="100" name="מציין מיקום תוכן 2">
@@ -16753,8 +18423,8 @@
           </p:sp>
         </mc:Fallback>
       </mc:AlternateContent>
-      <mc:AlternateContent xmlns:mc="http://schemas.openxmlformats.org/markup-compatibility/2006">
-        <mc:Choice xmlns:a14="http://schemas.microsoft.com/office/drawing/2010/main" Requires="a14">
+      <mc:AlternateContent xmlns:mc="http://schemas.openxmlformats.org/markup-compatibility/2006" xmlns:a14="http://schemas.microsoft.com/office/drawing/2010/main">
+        <mc:Choice Requires="a14">
           <p:sp>
             <p:nvSpPr>
               <p:cNvPr id="101" name="מציין מיקום תוכן 2">
@@ -17001,7 +18671,7 @@
             </p:txBody>
           </p:sp>
         </mc:Choice>
-        <mc:Fallback>
+        <mc:Fallback xmlns="">
           <p:sp>
             <p:nvSpPr>
               <p:cNvPr id="101" name="מציין מיקום תוכן 2">
@@ -17046,8 +18716,8 @@
           </p:sp>
         </mc:Fallback>
       </mc:AlternateContent>
-      <mc:AlternateContent xmlns:mc="http://schemas.openxmlformats.org/markup-compatibility/2006">
-        <mc:Choice xmlns:a14="http://schemas.microsoft.com/office/drawing/2010/main" Requires="a14">
+      <mc:AlternateContent xmlns:mc="http://schemas.openxmlformats.org/markup-compatibility/2006" xmlns:a14="http://schemas.microsoft.com/office/drawing/2010/main">
+        <mc:Choice Requires="a14">
           <p:sp>
             <p:nvSpPr>
               <p:cNvPr id="102" name="מציין מיקום תוכן 2">
@@ -17294,7 +18964,7 @@
             </p:txBody>
           </p:sp>
         </mc:Choice>
-        <mc:Fallback>
+        <mc:Fallback xmlns="">
           <p:sp>
             <p:nvSpPr>
               <p:cNvPr id="102" name="מציין מיקום תוכן 2">
@@ -17339,8 +19009,8 @@
           </p:sp>
         </mc:Fallback>
       </mc:AlternateContent>
-      <mc:AlternateContent xmlns:mc="http://schemas.openxmlformats.org/markup-compatibility/2006">
-        <mc:Choice xmlns:a14="http://schemas.microsoft.com/office/drawing/2010/main" Requires="a14">
+      <mc:AlternateContent xmlns:mc="http://schemas.openxmlformats.org/markup-compatibility/2006" xmlns:a14="http://schemas.microsoft.com/office/drawing/2010/main">
+        <mc:Choice Requires="a14">
           <p:sp>
             <p:nvSpPr>
               <p:cNvPr id="103" name="מציין מיקום תוכן 2">
@@ -17575,7 +19245,7 @@
             </p:txBody>
           </p:sp>
         </mc:Choice>
-        <mc:Fallback>
+        <mc:Fallback xmlns="">
           <p:sp>
             <p:nvSpPr>
               <p:cNvPr id="103" name="מציין מיקום תוכן 2">
@@ -17620,8 +19290,8 @@
           </p:sp>
         </mc:Fallback>
       </mc:AlternateContent>
-      <mc:AlternateContent xmlns:mc="http://schemas.openxmlformats.org/markup-compatibility/2006">
-        <mc:Choice xmlns:a14="http://schemas.microsoft.com/office/drawing/2010/main" Requires="a14">
+      <mc:AlternateContent xmlns:mc="http://schemas.openxmlformats.org/markup-compatibility/2006" xmlns:a14="http://schemas.microsoft.com/office/drawing/2010/main">
+        <mc:Choice Requires="a14">
           <p:sp>
             <p:nvSpPr>
               <p:cNvPr id="104" name="מציין מיקום תוכן 2">
@@ -17868,7 +19538,7 @@
             </p:txBody>
           </p:sp>
         </mc:Choice>
-        <mc:Fallback>
+        <mc:Fallback xmlns="">
           <p:sp>
             <p:nvSpPr>
               <p:cNvPr id="104" name="מציין מיקום תוכן 2">
@@ -17913,8 +19583,8 @@
           </p:sp>
         </mc:Fallback>
       </mc:AlternateContent>
-      <mc:AlternateContent xmlns:mc="http://schemas.openxmlformats.org/markup-compatibility/2006">
-        <mc:Choice xmlns:a14="http://schemas.microsoft.com/office/drawing/2010/main" Requires="a14">
+      <mc:AlternateContent xmlns:mc="http://schemas.openxmlformats.org/markup-compatibility/2006" xmlns:a14="http://schemas.microsoft.com/office/drawing/2010/main">
+        <mc:Choice Requires="a14">
           <p:sp>
             <p:nvSpPr>
               <p:cNvPr id="105" name="מציין מיקום תוכן 2">
@@ -18161,7 +19831,7 @@
             </p:txBody>
           </p:sp>
         </mc:Choice>
-        <mc:Fallback>
+        <mc:Fallback xmlns="">
           <p:sp>
             <p:nvSpPr>
               <p:cNvPr id="105" name="מציין מיקום תוכן 2">
@@ -18206,8 +19876,8 @@
           </p:sp>
         </mc:Fallback>
       </mc:AlternateContent>
-      <mc:AlternateContent xmlns:mc="http://schemas.openxmlformats.org/markup-compatibility/2006">
-        <mc:Choice xmlns:a14="http://schemas.microsoft.com/office/drawing/2010/main" Requires="a14">
+      <mc:AlternateContent xmlns:mc="http://schemas.openxmlformats.org/markup-compatibility/2006" xmlns:a14="http://schemas.microsoft.com/office/drawing/2010/main">
+        <mc:Choice Requires="a14">
           <p:sp>
             <p:nvSpPr>
               <p:cNvPr id="106" name="מציין מיקום תוכן 2">
@@ -18454,7 +20124,7 @@
             </p:txBody>
           </p:sp>
         </mc:Choice>
-        <mc:Fallback>
+        <mc:Fallback xmlns="">
           <p:sp>
             <p:nvSpPr>
               <p:cNvPr id="106" name="מציין מיקום תוכן 2">
@@ -18499,8 +20169,8 @@
           </p:sp>
         </mc:Fallback>
       </mc:AlternateContent>
-      <mc:AlternateContent xmlns:mc="http://schemas.openxmlformats.org/markup-compatibility/2006">
-        <mc:Choice xmlns:a14="http://schemas.microsoft.com/office/drawing/2010/main" Requires="a14">
+      <mc:AlternateContent xmlns:mc="http://schemas.openxmlformats.org/markup-compatibility/2006" xmlns:a14="http://schemas.microsoft.com/office/drawing/2010/main">
+        <mc:Choice Requires="a14">
           <p:sp>
             <p:nvSpPr>
               <p:cNvPr id="107" name="מציין מיקום תוכן 2">
@@ -18747,7 +20417,7 @@
             </p:txBody>
           </p:sp>
         </mc:Choice>
-        <mc:Fallback>
+        <mc:Fallback xmlns="">
           <p:sp>
             <p:nvSpPr>
               <p:cNvPr id="107" name="מציין מיקום תוכן 2">
@@ -18792,8 +20462,8 @@
           </p:sp>
         </mc:Fallback>
       </mc:AlternateContent>
-      <mc:AlternateContent xmlns:mc="http://schemas.openxmlformats.org/markup-compatibility/2006">
-        <mc:Choice xmlns:a14="http://schemas.microsoft.com/office/drawing/2010/main" Requires="a14">
+      <mc:AlternateContent xmlns:mc="http://schemas.openxmlformats.org/markup-compatibility/2006" xmlns:a14="http://schemas.microsoft.com/office/drawing/2010/main">
+        <mc:Choice Requires="a14">
           <p:sp>
             <p:nvSpPr>
               <p:cNvPr id="108" name="מציין מיקום תוכן 2">
@@ -19009,7 +20679,7 @@
             </p:txBody>
           </p:sp>
         </mc:Choice>
-        <mc:Fallback>
+        <mc:Fallback xmlns="">
           <p:sp>
             <p:nvSpPr>
               <p:cNvPr id="108" name="מציין מיקום תוכן 2">
@@ -19097,8 +20767,8 @@
           </a:fontRef>
         </p:style>
       </p:cxnSp>
-      <mc:AlternateContent xmlns:mc="http://schemas.openxmlformats.org/markup-compatibility/2006">
-        <mc:Choice xmlns:a14="http://schemas.microsoft.com/office/drawing/2010/main" Requires="a14">
+      <mc:AlternateContent xmlns:mc="http://schemas.openxmlformats.org/markup-compatibility/2006" xmlns:a14="http://schemas.microsoft.com/office/drawing/2010/main">
+        <mc:Choice Requires="a14">
           <p:sp>
             <p:nvSpPr>
               <p:cNvPr id="112" name="מציין מיקום תוכן 2">
@@ -19339,7 +21009,7 @@
             </p:txBody>
           </p:sp>
         </mc:Choice>
-        <mc:Fallback>
+        <mc:Fallback xmlns="">
           <p:sp>
             <p:nvSpPr>
               <p:cNvPr id="112" name="מציין מיקום תוכן 2">
@@ -20543,8 +22213,8 @@
           </a:fontRef>
         </p:style>
       </p:cxnSp>
-      <mc:AlternateContent xmlns:mc="http://schemas.openxmlformats.org/markup-compatibility/2006">
-        <mc:Choice xmlns:a14="http://schemas.microsoft.com/office/drawing/2010/main" Requires="a14">
+      <mc:AlternateContent xmlns:mc="http://schemas.openxmlformats.org/markup-compatibility/2006" xmlns:a14="http://schemas.microsoft.com/office/drawing/2010/main">
+        <mc:Choice Requires="a14">
           <p:sp>
             <p:nvSpPr>
               <p:cNvPr id="100" name="מציין מיקום תוכן 2">
@@ -20615,7 +22285,7 @@
             </p:txBody>
           </p:sp>
         </mc:Choice>
-        <mc:Fallback>
+        <mc:Fallback xmlns="">
           <p:sp>
             <p:nvSpPr>
               <p:cNvPr id="100" name="מציין מיקום תוכן 2">
@@ -20659,8 +22329,8 @@
           </p:sp>
         </mc:Fallback>
       </mc:AlternateContent>
-      <mc:AlternateContent xmlns:mc="http://schemas.openxmlformats.org/markup-compatibility/2006">
-        <mc:Choice xmlns:a14="http://schemas.microsoft.com/office/drawing/2010/main" Requires="a14">
+      <mc:AlternateContent xmlns:mc="http://schemas.openxmlformats.org/markup-compatibility/2006" xmlns:a14="http://schemas.microsoft.com/office/drawing/2010/main">
+        <mc:Choice Requires="a14">
           <p:sp>
             <p:nvSpPr>
               <p:cNvPr id="101" name="מציין מיקום תוכן 2">
@@ -20895,7 +22565,7 @@
             </p:txBody>
           </p:sp>
         </mc:Choice>
-        <mc:Fallback>
+        <mc:Fallback xmlns="">
           <p:sp>
             <p:nvSpPr>
               <p:cNvPr id="101" name="מציין מיקום תוכן 2">
@@ -20940,8 +22610,8 @@
           </p:sp>
         </mc:Fallback>
       </mc:AlternateContent>
-      <mc:AlternateContent xmlns:mc="http://schemas.openxmlformats.org/markup-compatibility/2006">
-        <mc:Choice xmlns:a14="http://schemas.microsoft.com/office/drawing/2010/main" Requires="a14">
+      <mc:AlternateContent xmlns:mc="http://schemas.openxmlformats.org/markup-compatibility/2006" xmlns:a14="http://schemas.microsoft.com/office/drawing/2010/main">
+        <mc:Choice Requires="a14">
           <p:sp>
             <p:nvSpPr>
               <p:cNvPr id="102" name="מציין מיקום תוכן 2">
@@ -21176,7 +22846,7 @@
             </p:txBody>
           </p:sp>
         </mc:Choice>
-        <mc:Fallback>
+        <mc:Fallback xmlns="">
           <p:sp>
             <p:nvSpPr>
               <p:cNvPr id="102" name="מציין מיקום תוכן 2">
@@ -21221,8 +22891,8 @@
           </p:sp>
         </mc:Fallback>
       </mc:AlternateContent>
-      <mc:AlternateContent xmlns:mc="http://schemas.openxmlformats.org/markup-compatibility/2006">
-        <mc:Choice xmlns:a14="http://schemas.microsoft.com/office/drawing/2010/main" Requires="a14">
+      <mc:AlternateContent xmlns:mc="http://schemas.openxmlformats.org/markup-compatibility/2006" xmlns:a14="http://schemas.microsoft.com/office/drawing/2010/main">
+        <mc:Choice Requires="a14">
           <p:sp>
             <p:nvSpPr>
               <p:cNvPr id="103" name="מציין מיקום תוכן 2">
@@ -21457,7 +23127,7 @@
             </p:txBody>
           </p:sp>
         </mc:Choice>
-        <mc:Fallback>
+        <mc:Fallback xmlns="">
           <p:sp>
             <p:nvSpPr>
               <p:cNvPr id="103" name="מציין מיקום תוכן 2">
@@ -21502,8 +23172,8 @@
           </p:sp>
         </mc:Fallback>
       </mc:AlternateContent>
-      <mc:AlternateContent xmlns:mc="http://schemas.openxmlformats.org/markup-compatibility/2006">
-        <mc:Choice xmlns:a14="http://schemas.microsoft.com/office/drawing/2010/main" Requires="a14">
+      <mc:AlternateContent xmlns:mc="http://schemas.openxmlformats.org/markup-compatibility/2006" xmlns:a14="http://schemas.microsoft.com/office/drawing/2010/main">
+        <mc:Choice Requires="a14">
           <p:sp>
             <p:nvSpPr>
               <p:cNvPr id="104" name="מציין מיקום תוכן 2">
@@ -21738,7 +23408,7 @@
             </p:txBody>
           </p:sp>
         </mc:Choice>
-        <mc:Fallback>
+        <mc:Fallback xmlns="">
           <p:sp>
             <p:nvSpPr>
               <p:cNvPr id="104" name="מציין מיקום תוכן 2">
@@ -21783,8 +23453,8 @@
           </p:sp>
         </mc:Fallback>
       </mc:AlternateContent>
-      <mc:AlternateContent xmlns:mc="http://schemas.openxmlformats.org/markup-compatibility/2006">
-        <mc:Choice xmlns:a14="http://schemas.microsoft.com/office/drawing/2010/main" Requires="a14">
+      <mc:AlternateContent xmlns:mc="http://schemas.openxmlformats.org/markup-compatibility/2006" xmlns:a14="http://schemas.microsoft.com/office/drawing/2010/main">
+        <mc:Choice Requires="a14">
           <p:sp>
             <p:nvSpPr>
               <p:cNvPr id="105" name="מציין מיקום תוכן 2">
@@ -22019,7 +23689,7 @@
             </p:txBody>
           </p:sp>
         </mc:Choice>
-        <mc:Fallback>
+        <mc:Fallback xmlns="">
           <p:sp>
             <p:nvSpPr>
               <p:cNvPr id="105" name="מציין מיקום תוכן 2">
@@ -22064,8 +23734,8 @@
           </p:sp>
         </mc:Fallback>
       </mc:AlternateContent>
-      <mc:AlternateContent xmlns:mc="http://schemas.openxmlformats.org/markup-compatibility/2006">
-        <mc:Choice xmlns:a14="http://schemas.microsoft.com/office/drawing/2010/main" Requires="a14">
+      <mc:AlternateContent xmlns:mc="http://schemas.openxmlformats.org/markup-compatibility/2006" xmlns:a14="http://schemas.microsoft.com/office/drawing/2010/main">
+        <mc:Choice Requires="a14">
           <p:sp>
             <p:nvSpPr>
               <p:cNvPr id="106" name="מציין מיקום תוכן 2">
@@ -22300,7 +23970,7 @@
             </p:txBody>
           </p:sp>
         </mc:Choice>
-        <mc:Fallback>
+        <mc:Fallback xmlns="">
           <p:sp>
             <p:nvSpPr>
               <p:cNvPr id="106" name="מציין מיקום תוכן 2">
@@ -22345,8 +24015,8 @@
           </p:sp>
         </mc:Fallback>
       </mc:AlternateContent>
-      <mc:AlternateContent xmlns:mc="http://schemas.openxmlformats.org/markup-compatibility/2006">
-        <mc:Choice xmlns:a14="http://schemas.microsoft.com/office/drawing/2010/main" Requires="a14">
+      <mc:AlternateContent xmlns:mc="http://schemas.openxmlformats.org/markup-compatibility/2006" xmlns:a14="http://schemas.microsoft.com/office/drawing/2010/main">
+        <mc:Choice Requires="a14">
           <p:sp>
             <p:nvSpPr>
               <p:cNvPr id="107" name="מציין מיקום תוכן 2">
@@ -22581,7 +24251,7 @@
             </p:txBody>
           </p:sp>
         </mc:Choice>
-        <mc:Fallback>
+        <mc:Fallback xmlns="">
           <p:sp>
             <p:nvSpPr>
               <p:cNvPr id="107" name="מציין מיקום תוכן 2">
@@ -22626,8 +24296,8 @@
           </p:sp>
         </mc:Fallback>
       </mc:AlternateContent>
-      <mc:AlternateContent xmlns:mc="http://schemas.openxmlformats.org/markup-compatibility/2006">
-        <mc:Choice xmlns:a14="http://schemas.microsoft.com/office/drawing/2010/main" Requires="a14">
+      <mc:AlternateContent xmlns:mc="http://schemas.openxmlformats.org/markup-compatibility/2006" xmlns:a14="http://schemas.microsoft.com/office/drawing/2010/main">
+        <mc:Choice Requires="a14">
           <p:sp>
             <p:nvSpPr>
               <p:cNvPr id="108" name="מציין מיקום תוכן 2">
@@ -22843,7 +24513,7 @@
             </p:txBody>
           </p:sp>
         </mc:Choice>
-        <mc:Fallback>
+        <mc:Fallback xmlns="">
           <p:sp>
             <p:nvSpPr>
               <p:cNvPr id="108" name="מציין מיקום תוכן 2">
@@ -22931,8 +24601,8 @@
           </a:fontRef>
         </p:style>
       </p:cxnSp>
-      <mc:AlternateContent xmlns:mc="http://schemas.openxmlformats.org/markup-compatibility/2006">
-        <mc:Choice xmlns:a14="http://schemas.microsoft.com/office/drawing/2010/main" Requires="a14">
+      <mc:AlternateContent xmlns:mc="http://schemas.openxmlformats.org/markup-compatibility/2006" xmlns:a14="http://schemas.microsoft.com/office/drawing/2010/main">
+        <mc:Choice Requires="a14">
           <p:sp>
             <p:nvSpPr>
               <p:cNvPr id="112" name="מציין מיקום תוכן 2">
@@ -23173,7 +24843,7 @@
             </p:txBody>
           </p:sp>
         </mc:Choice>
-        <mc:Fallback>
+        <mc:Fallback xmlns="">
           <p:sp>
             <p:nvSpPr>
               <p:cNvPr id="112" name="מציין מיקום תוכן 2">
@@ -24427,8 +26097,8 @@
           </a:fontRef>
         </p:style>
       </p:cxnSp>
-      <mc:AlternateContent xmlns:mc="http://schemas.openxmlformats.org/markup-compatibility/2006">
-        <mc:Choice xmlns:a14="http://schemas.microsoft.com/office/drawing/2010/main" Requires="a14">
+      <mc:AlternateContent xmlns:mc="http://schemas.openxmlformats.org/markup-compatibility/2006" xmlns:a14="http://schemas.microsoft.com/office/drawing/2010/main">
+        <mc:Choice Requires="a14">
           <p:sp>
             <p:nvSpPr>
               <p:cNvPr id="100" name="מציין מיקום תוכן 2">
@@ -24511,7 +26181,7 @@
             </p:txBody>
           </p:sp>
         </mc:Choice>
-        <mc:Fallback>
+        <mc:Fallback xmlns="">
           <p:sp>
             <p:nvSpPr>
               <p:cNvPr id="100" name="מציין מיקום תוכן 2">
@@ -24555,8 +26225,8 @@
           </p:sp>
         </mc:Fallback>
       </mc:AlternateContent>
-      <mc:AlternateContent xmlns:mc="http://schemas.openxmlformats.org/markup-compatibility/2006">
-        <mc:Choice xmlns:a14="http://schemas.microsoft.com/office/drawing/2010/main" Requires="a14">
+      <mc:AlternateContent xmlns:mc="http://schemas.openxmlformats.org/markup-compatibility/2006" xmlns:a14="http://schemas.microsoft.com/office/drawing/2010/main">
+        <mc:Choice Requires="a14">
           <p:sp>
             <p:nvSpPr>
               <p:cNvPr id="101" name="מציין מיקום תוכן 2">
@@ -24803,7 +26473,7 @@
             </p:txBody>
           </p:sp>
         </mc:Choice>
-        <mc:Fallback>
+        <mc:Fallback xmlns="">
           <p:sp>
             <p:nvSpPr>
               <p:cNvPr id="101" name="מציין מיקום תוכן 2">
@@ -24848,8 +26518,8 @@
           </p:sp>
         </mc:Fallback>
       </mc:AlternateContent>
-      <mc:AlternateContent xmlns:mc="http://schemas.openxmlformats.org/markup-compatibility/2006">
-        <mc:Choice xmlns:a14="http://schemas.microsoft.com/office/drawing/2010/main" Requires="a14">
+      <mc:AlternateContent xmlns:mc="http://schemas.openxmlformats.org/markup-compatibility/2006" xmlns:a14="http://schemas.microsoft.com/office/drawing/2010/main">
+        <mc:Choice Requires="a14">
           <p:sp>
             <p:nvSpPr>
               <p:cNvPr id="102" name="מציין מיקום תוכן 2">
@@ -25096,7 +26766,7 @@
             </p:txBody>
           </p:sp>
         </mc:Choice>
-        <mc:Fallback>
+        <mc:Fallback xmlns="">
           <p:sp>
             <p:nvSpPr>
               <p:cNvPr id="102" name="מציין מיקום תוכן 2">
@@ -25141,8 +26811,8 @@
           </p:sp>
         </mc:Fallback>
       </mc:AlternateContent>
-      <mc:AlternateContent xmlns:mc="http://schemas.openxmlformats.org/markup-compatibility/2006">
-        <mc:Choice xmlns:a14="http://schemas.microsoft.com/office/drawing/2010/main" Requires="a14">
+      <mc:AlternateContent xmlns:mc="http://schemas.openxmlformats.org/markup-compatibility/2006" xmlns:a14="http://schemas.microsoft.com/office/drawing/2010/main">
+        <mc:Choice Requires="a14">
           <p:sp>
             <p:nvSpPr>
               <p:cNvPr id="103" name="מציין מיקום תוכן 2">
@@ -25377,7 +27047,7 @@
             </p:txBody>
           </p:sp>
         </mc:Choice>
-        <mc:Fallback>
+        <mc:Fallback xmlns="">
           <p:sp>
             <p:nvSpPr>
               <p:cNvPr id="103" name="מציין מיקום תוכן 2">
@@ -25422,8 +27092,8 @@
           </p:sp>
         </mc:Fallback>
       </mc:AlternateContent>
-      <mc:AlternateContent xmlns:mc="http://schemas.openxmlformats.org/markup-compatibility/2006">
-        <mc:Choice xmlns:a14="http://schemas.microsoft.com/office/drawing/2010/main" Requires="a14">
+      <mc:AlternateContent xmlns:mc="http://schemas.openxmlformats.org/markup-compatibility/2006" xmlns:a14="http://schemas.microsoft.com/office/drawing/2010/main">
+        <mc:Choice Requires="a14">
           <p:sp>
             <p:nvSpPr>
               <p:cNvPr id="104" name="מציין מיקום תוכן 2">
@@ -25670,7 +27340,7 @@
             </p:txBody>
           </p:sp>
         </mc:Choice>
-        <mc:Fallback>
+        <mc:Fallback xmlns="">
           <p:sp>
             <p:nvSpPr>
               <p:cNvPr id="104" name="מציין מיקום תוכן 2">
@@ -25715,8 +27385,8 @@
           </p:sp>
         </mc:Fallback>
       </mc:AlternateContent>
-      <mc:AlternateContent xmlns:mc="http://schemas.openxmlformats.org/markup-compatibility/2006">
-        <mc:Choice xmlns:a14="http://schemas.microsoft.com/office/drawing/2010/main" Requires="a14">
+      <mc:AlternateContent xmlns:mc="http://schemas.openxmlformats.org/markup-compatibility/2006" xmlns:a14="http://schemas.microsoft.com/office/drawing/2010/main">
+        <mc:Choice Requires="a14">
           <p:sp>
             <p:nvSpPr>
               <p:cNvPr id="105" name="מציין מיקום תוכן 2">
@@ -25963,7 +27633,7 @@
             </p:txBody>
           </p:sp>
         </mc:Choice>
-        <mc:Fallback>
+        <mc:Fallback xmlns="">
           <p:sp>
             <p:nvSpPr>
               <p:cNvPr id="105" name="מציין מיקום תוכן 2">
@@ -26008,8 +27678,8 @@
           </p:sp>
         </mc:Fallback>
       </mc:AlternateContent>
-      <mc:AlternateContent xmlns:mc="http://schemas.openxmlformats.org/markup-compatibility/2006">
-        <mc:Choice xmlns:a14="http://schemas.microsoft.com/office/drawing/2010/main" Requires="a14">
+      <mc:AlternateContent xmlns:mc="http://schemas.openxmlformats.org/markup-compatibility/2006" xmlns:a14="http://schemas.microsoft.com/office/drawing/2010/main">
+        <mc:Choice Requires="a14">
           <p:sp>
             <p:nvSpPr>
               <p:cNvPr id="106" name="מציין מיקום תוכן 2">
@@ -26256,7 +27926,7 @@
             </p:txBody>
           </p:sp>
         </mc:Choice>
-        <mc:Fallback>
+        <mc:Fallback xmlns="">
           <p:sp>
             <p:nvSpPr>
               <p:cNvPr id="106" name="מציין מיקום תוכן 2">
@@ -26301,8 +27971,8 @@
           </p:sp>
         </mc:Fallback>
       </mc:AlternateContent>
-      <mc:AlternateContent xmlns:mc="http://schemas.openxmlformats.org/markup-compatibility/2006">
-        <mc:Choice xmlns:a14="http://schemas.microsoft.com/office/drawing/2010/main" Requires="a14">
+      <mc:AlternateContent xmlns:mc="http://schemas.openxmlformats.org/markup-compatibility/2006" xmlns:a14="http://schemas.microsoft.com/office/drawing/2010/main">
+        <mc:Choice Requires="a14">
           <p:sp>
             <p:nvSpPr>
               <p:cNvPr id="107" name="מציין מיקום תוכן 2">
@@ -26549,7 +28219,7 @@
             </p:txBody>
           </p:sp>
         </mc:Choice>
-        <mc:Fallback>
+        <mc:Fallback xmlns="">
           <p:sp>
             <p:nvSpPr>
               <p:cNvPr id="107" name="מציין מיקום תוכן 2">
@@ -26594,8 +28264,8 @@
           </p:sp>
         </mc:Fallback>
       </mc:AlternateContent>
-      <mc:AlternateContent xmlns:mc="http://schemas.openxmlformats.org/markup-compatibility/2006">
-        <mc:Choice xmlns:a14="http://schemas.microsoft.com/office/drawing/2010/main" Requires="a14">
+      <mc:AlternateContent xmlns:mc="http://schemas.openxmlformats.org/markup-compatibility/2006" xmlns:a14="http://schemas.microsoft.com/office/drawing/2010/main">
+        <mc:Choice Requires="a14">
           <p:sp>
             <p:nvSpPr>
               <p:cNvPr id="108" name="מציין מיקום תוכן 2">
@@ -26811,7 +28481,7 @@
             </p:txBody>
           </p:sp>
         </mc:Choice>
-        <mc:Fallback>
+        <mc:Fallback xmlns="">
           <p:sp>
             <p:nvSpPr>
               <p:cNvPr id="108" name="מציין מיקום תוכן 2">
@@ -26899,8 +28569,8 @@
           </a:fontRef>
         </p:style>
       </p:cxnSp>
-      <mc:AlternateContent xmlns:mc="http://schemas.openxmlformats.org/markup-compatibility/2006">
-        <mc:Choice xmlns:a14="http://schemas.microsoft.com/office/drawing/2010/main" Requires="a14">
+      <mc:AlternateContent xmlns:mc="http://schemas.openxmlformats.org/markup-compatibility/2006" xmlns:a14="http://schemas.microsoft.com/office/drawing/2010/main">
+        <mc:Choice Requires="a14">
           <p:sp>
             <p:nvSpPr>
               <p:cNvPr id="112" name="מציין מיקום תוכן 2">
@@ -27141,7 +28811,7 @@
             </p:txBody>
           </p:sp>
         </mc:Choice>
-        <mc:Fallback>
+        <mc:Fallback xmlns="">
           <p:sp>
             <p:nvSpPr>
               <p:cNvPr id="112" name="מציין מיקום תוכן 2">
@@ -27186,8 +28856,8 @@
           </p:sp>
         </mc:Fallback>
       </mc:AlternateContent>
-      <mc:AlternateContent xmlns:mc="http://schemas.openxmlformats.org/markup-compatibility/2006">
-        <mc:Choice xmlns:a14="http://schemas.microsoft.com/office/drawing/2010/main" Requires="a14">
+      <mc:AlternateContent xmlns:mc="http://schemas.openxmlformats.org/markup-compatibility/2006" xmlns:a14="http://schemas.microsoft.com/office/drawing/2010/main">
+        <mc:Choice Requires="a14">
           <p:sp>
             <p:nvSpPr>
               <p:cNvPr id="3" name="מציין מיקום תוכן 2">
@@ -27409,7 +29079,7 @@
             </p:txBody>
           </p:sp>
         </mc:Choice>
-        <mc:Fallback>
+        <mc:Fallback xmlns="">
           <p:sp>
             <p:nvSpPr>
               <p:cNvPr id="3" name="מציין מיקום תוכן 2">
@@ -31057,8 +32727,8 @@
           </p:style>
         </p:cxnSp>
       </p:grpSp>
-      <mc:AlternateContent xmlns:mc="http://schemas.openxmlformats.org/markup-compatibility/2006">
-        <mc:Choice xmlns:a14="http://schemas.microsoft.com/office/drawing/2010/main" Requires="a14">
+      <mc:AlternateContent xmlns:mc="http://schemas.openxmlformats.org/markup-compatibility/2006" xmlns:a14="http://schemas.microsoft.com/office/drawing/2010/main">
+        <mc:Choice Requires="a14">
           <p:sp>
             <p:nvSpPr>
               <p:cNvPr id="130" name="כותרת 1">
@@ -31120,7 +32790,7 @@
             </p:txBody>
           </p:sp>
         </mc:Choice>
-        <mc:Fallback>
+        <mc:Fallback xmlns="">
           <p:sp>
             <p:nvSpPr>
               <p:cNvPr id="130" name="כותרת 1">
@@ -31164,8 +32834,8 @@
           </p:sp>
         </mc:Fallback>
       </mc:AlternateContent>
-      <mc:AlternateContent xmlns:mc="http://schemas.openxmlformats.org/markup-compatibility/2006">
-        <mc:Choice xmlns:a14="http://schemas.microsoft.com/office/drawing/2010/main" Requires="a14">
+      <mc:AlternateContent xmlns:mc="http://schemas.openxmlformats.org/markup-compatibility/2006" xmlns:a14="http://schemas.microsoft.com/office/drawing/2010/main">
+        <mc:Choice Requires="a14">
           <p:sp>
             <p:nvSpPr>
               <p:cNvPr id="94" name="מציין מיקום תוכן 2">
@@ -31248,7 +32918,7 @@
             </p:txBody>
           </p:sp>
         </mc:Choice>
-        <mc:Fallback>
+        <mc:Fallback xmlns="">
           <p:sp>
             <p:nvSpPr>
               <p:cNvPr id="94" name="מציין מיקום תוכן 2">
@@ -31292,8 +32962,8 @@
           </p:sp>
         </mc:Fallback>
       </mc:AlternateContent>
-      <mc:AlternateContent xmlns:mc="http://schemas.openxmlformats.org/markup-compatibility/2006">
-        <mc:Choice xmlns:a14="http://schemas.microsoft.com/office/drawing/2010/main" Requires="a14">
+      <mc:AlternateContent xmlns:mc="http://schemas.openxmlformats.org/markup-compatibility/2006" xmlns:a14="http://schemas.microsoft.com/office/drawing/2010/main">
+        <mc:Choice Requires="a14">
           <p:sp>
             <p:nvSpPr>
               <p:cNvPr id="95" name="מציין מיקום תוכן 2">
@@ -31540,7 +33210,7 @@
             </p:txBody>
           </p:sp>
         </mc:Choice>
-        <mc:Fallback>
+        <mc:Fallback xmlns="">
           <p:sp>
             <p:nvSpPr>
               <p:cNvPr id="95" name="מציין מיקום תוכן 2">
@@ -31585,8 +33255,8 @@
           </p:sp>
         </mc:Fallback>
       </mc:AlternateContent>
-      <mc:AlternateContent xmlns:mc="http://schemas.openxmlformats.org/markup-compatibility/2006">
-        <mc:Choice xmlns:a14="http://schemas.microsoft.com/office/drawing/2010/main" Requires="a14">
+      <mc:AlternateContent xmlns:mc="http://schemas.openxmlformats.org/markup-compatibility/2006" xmlns:a14="http://schemas.microsoft.com/office/drawing/2010/main">
+        <mc:Choice Requires="a14">
           <p:sp>
             <p:nvSpPr>
               <p:cNvPr id="96" name="מציין מיקום תוכן 2">
@@ -31833,7 +33503,7 @@
             </p:txBody>
           </p:sp>
         </mc:Choice>
-        <mc:Fallback>
+        <mc:Fallback xmlns="">
           <p:sp>
             <p:nvSpPr>
               <p:cNvPr id="96" name="מציין מיקום תוכן 2">
@@ -31878,8 +33548,8 @@
           </p:sp>
         </mc:Fallback>
       </mc:AlternateContent>
-      <mc:AlternateContent xmlns:mc="http://schemas.openxmlformats.org/markup-compatibility/2006">
-        <mc:Choice xmlns:a14="http://schemas.microsoft.com/office/drawing/2010/main" Requires="a14">
+      <mc:AlternateContent xmlns:mc="http://schemas.openxmlformats.org/markup-compatibility/2006" xmlns:a14="http://schemas.microsoft.com/office/drawing/2010/main">
+        <mc:Choice Requires="a14">
           <p:sp>
             <p:nvSpPr>
               <p:cNvPr id="97" name="מציין מיקום תוכן 2">
@@ -32114,7 +33784,7 @@
             </p:txBody>
           </p:sp>
         </mc:Choice>
-        <mc:Fallback>
+        <mc:Fallback xmlns="">
           <p:sp>
             <p:nvSpPr>
               <p:cNvPr id="97" name="מציין מיקום תוכן 2">
@@ -32159,8 +33829,8 @@
           </p:sp>
         </mc:Fallback>
       </mc:AlternateContent>
-      <mc:AlternateContent xmlns:mc="http://schemas.openxmlformats.org/markup-compatibility/2006">
-        <mc:Choice xmlns:a14="http://schemas.microsoft.com/office/drawing/2010/main" Requires="a14">
+      <mc:AlternateContent xmlns:mc="http://schemas.openxmlformats.org/markup-compatibility/2006" xmlns:a14="http://schemas.microsoft.com/office/drawing/2010/main">
+        <mc:Choice Requires="a14">
           <p:sp>
             <p:nvSpPr>
               <p:cNvPr id="98" name="מציין מיקום תוכן 2">
@@ -32401,7 +34071,7 @@
             </p:txBody>
           </p:sp>
         </mc:Choice>
-        <mc:Fallback>
+        <mc:Fallback xmlns="">
           <p:sp>
             <p:nvSpPr>
               <p:cNvPr id="98" name="מציין מיקום תוכן 2">
@@ -32446,8 +34116,8 @@
           </p:sp>
         </mc:Fallback>
       </mc:AlternateContent>
-      <mc:AlternateContent xmlns:mc="http://schemas.openxmlformats.org/markup-compatibility/2006">
-        <mc:Choice xmlns:a14="http://schemas.microsoft.com/office/drawing/2010/main" Requires="a14">
+      <mc:AlternateContent xmlns:mc="http://schemas.openxmlformats.org/markup-compatibility/2006" xmlns:a14="http://schemas.microsoft.com/office/drawing/2010/main">
+        <mc:Choice Requires="a14">
           <p:sp>
             <p:nvSpPr>
               <p:cNvPr id="99" name="מציין מיקום תוכן 2">
@@ -32694,7 +34364,7 @@
             </p:txBody>
           </p:sp>
         </mc:Choice>
-        <mc:Fallback>
+        <mc:Fallback xmlns="">
           <p:sp>
             <p:nvSpPr>
               <p:cNvPr id="99" name="מציין מיקום תוכן 2">
@@ -32739,8 +34409,8 @@
           </p:sp>
         </mc:Fallback>
       </mc:AlternateContent>
-      <mc:AlternateContent xmlns:mc="http://schemas.openxmlformats.org/markup-compatibility/2006">
-        <mc:Choice xmlns:a14="http://schemas.microsoft.com/office/drawing/2010/main" Requires="a14">
+      <mc:AlternateContent xmlns:mc="http://schemas.openxmlformats.org/markup-compatibility/2006" xmlns:a14="http://schemas.microsoft.com/office/drawing/2010/main">
+        <mc:Choice Requires="a14">
           <p:sp>
             <p:nvSpPr>
               <p:cNvPr id="100" name="מציין מיקום תוכן 2">
@@ -32987,7 +34657,7 @@
             </p:txBody>
           </p:sp>
         </mc:Choice>
-        <mc:Fallback>
+        <mc:Fallback xmlns="">
           <p:sp>
             <p:nvSpPr>
               <p:cNvPr id="100" name="מציין מיקום תוכן 2">
@@ -33032,8 +34702,8 @@
           </p:sp>
         </mc:Fallback>
       </mc:AlternateContent>
-      <mc:AlternateContent xmlns:mc="http://schemas.openxmlformats.org/markup-compatibility/2006">
-        <mc:Choice xmlns:a14="http://schemas.microsoft.com/office/drawing/2010/main" Requires="a14">
+      <mc:AlternateContent xmlns:mc="http://schemas.openxmlformats.org/markup-compatibility/2006" xmlns:a14="http://schemas.microsoft.com/office/drawing/2010/main">
+        <mc:Choice Requires="a14">
           <p:sp>
             <p:nvSpPr>
               <p:cNvPr id="101" name="מציין מיקום תוכן 2">
@@ -33280,7 +34950,7 @@
             </p:txBody>
           </p:sp>
         </mc:Choice>
-        <mc:Fallback>
+        <mc:Fallback xmlns="">
           <p:sp>
             <p:nvSpPr>
               <p:cNvPr id="101" name="מציין מיקום תוכן 2">
@@ -33325,8 +34995,8 @@
           </p:sp>
         </mc:Fallback>
       </mc:AlternateContent>
-      <mc:AlternateContent xmlns:mc="http://schemas.openxmlformats.org/markup-compatibility/2006">
-        <mc:Choice xmlns:a14="http://schemas.microsoft.com/office/drawing/2010/main" Requires="a14">
+      <mc:AlternateContent xmlns:mc="http://schemas.openxmlformats.org/markup-compatibility/2006" xmlns:a14="http://schemas.microsoft.com/office/drawing/2010/main">
+        <mc:Choice Requires="a14">
           <p:sp>
             <p:nvSpPr>
               <p:cNvPr id="102" name="מציין מיקום תוכן 2">
@@ -33573,7 +35243,7 @@
             </p:txBody>
           </p:sp>
         </mc:Choice>
-        <mc:Fallback>
+        <mc:Fallback xmlns="">
           <p:sp>
             <p:nvSpPr>
               <p:cNvPr id="102" name="מציין מיקום תוכן 2">
@@ -33618,8 +35288,8 @@
           </p:sp>
         </mc:Fallback>
       </mc:AlternateContent>
-      <mc:AlternateContent xmlns:mc="http://schemas.openxmlformats.org/markup-compatibility/2006">
-        <mc:Choice xmlns:a14="http://schemas.microsoft.com/office/drawing/2010/main" Requires="a14">
+      <mc:AlternateContent xmlns:mc="http://schemas.openxmlformats.org/markup-compatibility/2006" xmlns:a14="http://schemas.microsoft.com/office/drawing/2010/main">
+        <mc:Choice Requires="a14">
           <p:sp>
             <p:nvSpPr>
               <p:cNvPr id="103" name="מציין מיקום תוכן 2">
@@ -33860,7 +35530,7 @@
             </p:txBody>
           </p:sp>
         </mc:Choice>
-        <mc:Fallback>
+        <mc:Fallback xmlns="">
           <p:sp>
             <p:nvSpPr>
               <p:cNvPr id="103" name="מציין מיקום תוכן 2">
@@ -33905,8 +35575,8 @@
           </p:sp>
         </mc:Fallback>
       </mc:AlternateContent>
-      <mc:AlternateContent xmlns:mc="http://schemas.openxmlformats.org/markup-compatibility/2006">
-        <mc:Choice xmlns:a14="http://schemas.microsoft.com/office/drawing/2010/main" Requires="a14">
+      <mc:AlternateContent xmlns:mc="http://schemas.openxmlformats.org/markup-compatibility/2006" xmlns:a14="http://schemas.microsoft.com/office/drawing/2010/main">
+        <mc:Choice Requires="a14">
           <p:sp>
             <p:nvSpPr>
               <p:cNvPr id="104" name="מציין מיקום תוכן 2">
@@ -34153,7 +35823,7 @@
             </p:txBody>
           </p:sp>
         </mc:Choice>
-        <mc:Fallback>
+        <mc:Fallback xmlns="">
           <p:sp>
             <p:nvSpPr>
               <p:cNvPr id="104" name="מציין מיקום תוכן 2">
@@ -34198,8 +35868,8 @@
           </p:sp>
         </mc:Fallback>
       </mc:AlternateContent>
-      <mc:AlternateContent xmlns:mc="http://schemas.openxmlformats.org/markup-compatibility/2006">
-        <mc:Choice xmlns:a14="http://schemas.microsoft.com/office/drawing/2010/main" Requires="a14">
+      <mc:AlternateContent xmlns:mc="http://schemas.openxmlformats.org/markup-compatibility/2006" xmlns:a14="http://schemas.microsoft.com/office/drawing/2010/main">
+        <mc:Choice Requires="a14">
           <p:sp>
             <p:nvSpPr>
               <p:cNvPr id="105" name="מציין מיקום תוכן 2">
@@ -34446,7 +36116,7 @@
             </p:txBody>
           </p:sp>
         </mc:Choice>
-        <mc:Fallback>
+        <mc:Fallback xmlns="">
           <p:sp>
             <p:nvSpPr>
               <p:cNvPr id="105" name="מציין מיקום תוכן 2">
@@ -34491,8 +36161,8 @@
           </p:sp>
         </mc:Fallback>
       </mc:AlternateContent>
-      <mc:AlternateContent xmlns:mc="http://schemas.openxmlformats.org/markup-compatibility/2006">
-        <mc:Choice xmlns:a14="http://schemas.microsoft.com/office/drawing/2010/main" Requires="a14">
+      <mc:AlternateContent xmlns:mc="http://schemas.openxmlformats.org/markup-compatibility/2006" xmlns:a14="http://schemas.microsoft.com/office/drawing/2010/main">
+        <mc:Choice Requires="a14">
           <p:sp>
             <p:nvSpPr>
               <p:cNvPr id="106" name="מציין מיקום תוכן 2">
@@ -34739,7 +36409,7 @@
             </p:txBody>
           </p:sp>
         </mc:Choice>
-        <mc:Fallback>
+        <mc:Fallback xmlns="">
           <p:sp>
             <p:nvSpPr>
               <p:cNvPr id="106" name="מציין מיקום תוכן 2">
@@ -34784,8 +36454,8 @@
           </p:sp>
         </mc:Fallback>
       </mc:AlternateContent>
-      <mc:AlternateContent xmlns:mc="http://schemas.openxmlformats.org/markup-compatibility/2006">
-        <mc:Choice xmlns:a14="http://schemas.microsoft.com/office/drawing/2010/main" Requires="a14">
+      <mc:AlternateContent xmlns:mc="http://schemas.openxmlformats.org/markup-compatibility/2006" xmlns:a14="http://schemas.microsoft.com/office/drawing/2010/main">
+        <mc:Choice Requires="a14">
           <p:sp>
             <p:nvSpPr>
               <p:cNvPr id="107" name="מציין מיקום תוכן 2">
@@ -35020,7 +36690,7 @@
             </p:txBody>
           </p:sp>
         </mc:Choice>
-        <mc:Fallback>
+        <mc:Fallback xmlns="">
           <p:sp>
             <p:nvSpPr>
               <p:cNvPr id="107" name="מציין מיקום תוכן 2">
@@ -35065,8 +36735,8 @@
           </p:sp>
         </mc:Fallback>
       </mc:AlternateContent>
-      <mc:AlternateContent xmlns:mc="http://schemas.openxmlformats.org/markup-compatibility/2006">
-        <mc:Choice xmlns:a14="http://schemas.microsoft.com/office/drawing/2010/main" Requires="a14">
+      <mc:AlternateContent xmlns:mc="http://schemas.openxmlformats.org/markup-compatibility/2006" xmlns:a14="http://schemas.microsoft.com/office/drawing/2010/main">
+        <mc:Choice Requires="a14">
           <p:sp>
             <p:nvSpPr>
               <p:cNvPr id="109" name="מציין מיקום תוכן 2">
@@ -35313,7 +36983,7 @@
             </p:txBody>
           </p:sp>
         </mc:Choice>
-        <mc:Fallback>
+        <mc:Fallback xmlns="">
           <p:sp>
             <p:nvSpPr>
               <p:cNvPr id="109" name="מציין מיקום תוכן 2">
@@ -35358,8 +37028,8 @@
           </p:sp>
         </mc:Fallback>
       </mc:AlternateContent>
-      <mc:AlternateContent xmlns:mc="http://schemas.openxmlformats.org/markup-compatibility/2006">
-        <mc:Choice xmlns:a14="http://schemas.microsoft.com/office/drawing/2010/main" Requires="a14">
+      <mc:AlternateContent xmlns:mc="http://schemas.openxmlformats.org/markup-compatibility/2006" xmlns:a14="http://schemas.microsoft.com/office/drawing/2010/main">
+        <mc:Choice Requires="a14">
           <p:sp>
             <p:nvSpPr>
               <p:cNvPr id="110" name="מציין מיקום תוכן 2">
@@ -35606,7 +37276,7 @@
             </p:txBody>
           </p:sp>
         </mc:Choice>
-        <mc:Fallback>
+        <mc:Fallback xmlns="">
           <p:sp>
             <p:nvSpPr>
               <p:cNvPr id="110" name="מציין מיקום תוכן 2">
@@ -35651,8 +37321,8 @@
           </p:sp>
         </mc:Fallback>
       </mc:AlternateContent>
-      <mc:AlternateContent xmlns:mc="http://schemas.openxmlformats.org/markup-compatibility/2006">
-        <mc:Choice xmlns:a14="http://schemas.microsoft.com/office/drawing/2010/main" Requires="a14">
+      <mc:AlternateContent xmlns:mc="http://schemas.openxmlformats.org/markup-compatibility/2006" xmlns:a14="http://schemas.microsoft.com/office/drawing/2010/main">
+        <mc:Choice Requires="a14">
           <p:sp>
             <p:nvSpPr>
               <p:cNvPr id="111" name="מציין מיקום תוכן 2">
@@ -35899,7 +37569,7 @@
             </p:txBody>
           </p:sp>
         </mc:Choice>
-        <mc:Fallback>
+        <mc:Fallback xmlns="">
           <p:sp>
             <p:nvSpPr>
               <p:cNvPr id="111" name="מציין מיקום תוכן 2">
@@ -35944,8 +37614,8 @@
           </p:sp>
         </mc:Fallback>
       </mc:AlternateContent>
-      <mc:AlternateContent xmlns:mc="http://schemas.openxmlformats.org/markup-compatibility/2006">
-        <mc:Choice xmlns:a14="http://schemas.microsoft.com/office/drawing/2010/main" Requires="a14">
+      <mc:AlternateContent xmlns:mc="http://schemas.openxmlformats.org/markup-compatibility/2006" xmlns:a14="http://schemas.microsoft.com/office/drawing/2010/main">
+        <mc:Choice Requires="a14">
           <p:sp>
             <p:nvSpPr>
               <p:cNvPr id="112" name="מציין מיקום תוכן 2">
@@ -36192,7 +37862,7 @@
             </p:txBody>
           </p:sp>
         </mc:Choice>
-        <mc:Fallback>
+        <mc:Fallback xmlns="">
           <p:sp>
             <p:nvSpPr>
               <p:cNvPr id="112" name="מציין מיקום תוכן 2">
@@ -36375,8 +38045,8 @@
           </a:p>
         </p:txBody>
       </p:sp>
-      <mc:AlternateContent xmlns:mc="http://schemas.openxmlformats.org/markup-compatibility/2006">
-        <mc:Choice xmlns:a14="http://schemas.microsoft.com/office/drawing/2010/main" Requires="a14">
+      <mc:AlternateContent xmlns:mc="http://schemas.openxmlformats.org/markup-compatibility/2006" xmlns:a14="http://schemas.microsoft.com/office/drawing/2010/main">
+        <mc:Choice Requires="a14">
           <p:sp>
             <p:nvSpPr>
               <p:cNvPr id="116" name="מציין מיקום תוכן 2">
@@ -36623,7 +38293,7 @@
             </p:txBody>
           </p:sp>
         </mc:Choice>
-        <mc:Fallback>
+        <mc:Fallback xmlns="">
           <p:sp>
             <p:nvSpPr>
               <p:cNvPr id="116" name="מציין מיקום תוכן 2">
@@ -36668,8 +38338,8 @@
           </p:sp>
         </mc:Fallback>
       </mc:AlternateContent>
-      <mc:AlternateContent xmlns:mc="http://schemas.openxmlformats.org/markup-compatibility/2006">
-        <mc:Choice xmlns:a14="http://schemas.microsoft.com/office/drawing/2010/main" Requires="a14">
+      <mc:AlternateContent xmlns:mc="http://schemas.openxmlformats.org/markup-compatibility/2006" xmlns:a14="http://schemas.microsoft.com/office/drawing/2010/main">
+        <mc:Choice Requires="a14">
           <p:sp>
             <p:nvSpPr>
               <p:cNvPr id="117" name="מציין מיקום תוכן 2">
@@ -36916,7 +38586,7 @@
             </p:txBody>
           </p:sp>
         </mc:Choice>
-        <mc:Fallback>
+        <mc:Fallback xmlns="">
           <p:sp>
             <p:nvSpPr>
               <p:cNvPr id="117" name="מציין מיקום תוכן 2">
@@ -36961,8 +38631,8 @@
           </p:sp>
         </mc:Fallback>
       </mc:AlternateContent>
-      <mc:AlternateContent xmlns:mc="http://schemas.openxmlformats.org/markup-compatibility/2006">
-        <mc:Choice xmlns:a14="http://schemas.microsoft.com/office/drawing/2010/main" Requires="a14">
+      <mc:AlternateContent xmlns:mc="http://schemas.openxmlformats.org/markup-compatibility/2006" xmlns:a14="http://schemas.microsoft.com/office/drawing/2010/main">
+        <mc:Choice Requires="a14">
           <p:sp>
             <p:nvSpPr>
               <p:cNvPr id="118" name="מציין מיקום תוכן 2">
@@ -37209,7 +38879,7 @@
             </p:txBody>
           </p:sp>
         </mc:Choice>
-        <mc:Fallback>
+        <mc:Fallback xmlns="">
           <p:sp>
             <p:nvSpPr>
               <p:cNvPr id="118" name="מציין מיקום תוכן 2">
@@ -37254,8 +38924,8 @@
           </p:sp>
         </mc:Fallback>
       </mc:AlternateContent>
-      <mc:AlternateContent xmlns:mc="http://schemas.openxmlformats.org/markup-compatibility/2006">
-        <mc:Choice xmlns:a14="http://schemas.microsoft.com/office/drawing/2010/main" Requires="a14">
+      <mc:AlternateContent xmlns:mc="http://schemas.openxmlformats.org/markup-compatibility/2006" xmlns:a14="http://schemas.microsoft.com/office/drawing/2010/main">
+        <mc:Choice Requires="a14">
           <p:sp>
             <p:nvSpPr>
               <p:cNvPr id="119" name="מציין מיקום תוכן 2">
@@ -37490,7 +39160,7 @@
             </p:txBody>
           </p:sp>
         </mc:Choice>
-        <mc:Fallback>
+        <mc:Fallback xmlns="">
           <p:sp>
             <p:nvSpPr>
               <p:cNvPr id="119" name="מציין מיקום תוכן 2">
@@ -37535,8 +39205,8 @@
           </p:sp>
         </mc:Fallback>
       </mc:AlternateContent>
-      <mc:AlternateContent xmlns:mc="http://schemas.openxmlformats.org/markup-compatibility/2006">
-        <mc:Choice xmlns:a14="http://schemas.microsoft.com/office/drawing/2010/main" Requires="a14">
+      <mc:AlternateContent xmlns:mc="http://schemas.openxmlformats.org/markup-compatibility/2006" xmlns:a14="http://schemas.microsoft.com/office/drawing/2010/main">
+        <mc:Choice Requires="a14">
           <p:sp>
             <p:nvSpPr>
               <p:cNvPr id="120" name="מציין מיקום תוכן 2">
@@ -37777,7 +39447,7 @@
             </p:txBody>
           </p:sp>
         </mc:Choice>
-        <mc:Fallback>
+        <mc:Fallback xmlns="">
           <p:sp>
             <p:nvSpPr>
               <p:cNvPr id="120" name="מציין מיקום תוכן 2">
@@ -37822,8 +39492,8 @@
           </p:sp>
         </mc:Fallback>
       </mc:AlternateContent>
-      <mc:AlternateContent xmlns:mc="http://schemas.openxmlformats.org/markup-compatibility/2006">
-        <mc:Choice xmlns:a14="http://schemas.microsoft.com/office/drawing/2010/main" Requires="a14">
+      <mc:AlternateContent xmlns:mc="http://schemas.openxmlformats.org/markup-compatibility/2006" xmlns:a14="http://schemas.microsoft.com/office/drawing/2010/main">
+        <mc:Choice Requires="a14">
           <p:sp>
             <p:nvSpPr>
               <p:cNvPr id="121" name="מציין מיקום תוכן 2">
@@ -38070,7 +39740,7 @@
             </p:txBody>
           </p:sp>
         </mc:Choice>
-        <mc:Fallback>
+        <mc:Fallback xmlns="">
           <p:sp>
             <p:nvSpPr>
               <p:cNvPr id="121" name="מציין מיקום תוכן 2">
@@ -38115,8 +39785,8 @@
           </p:sp>
         </mc:Fallback>
       </mc:AlternateContent>
-      <mc:AlternateContent xmlns:mc="http://schemas.openxmlformats.org/markup-compatibility/2006">
-        <mc:Choice xmlns:a14="http://schemas.microsoft.com/office/drawing/2010/main" Requires="a14">
+      <mc:AlternateContent xmlns:mc="http://schemas.openxmlformats.org/markup-compatibility/2006" xmlns:a14="http://schemas.microsoft.com/office/drawing/2010/main">
+        <mc:Choice Requires="a14">
           <p:sp>
             <p:nvSpPr>
               <p:cNvPr id="122" name="מציין מיקום תוכן 2">
@@ -38363,7 +40033,7 @@
             </p:txBody>
           </p:sp>
         </mc:Choice>
-        <mc:Fallback>
+        <mc:Fallback xmlns="">
           <p:sp>
             <p:nvSpPr>
               <p:cNvPr id="122" name="מציין מיקום תוכן 2">
@@ -38408,8 +40078,8 @@
           </p:sp>
         </mc:Fallback>
       </mc:AlternateContent>
-      <mc:AlternateContent xmlns:mc="http://schemas.openxmlformats.org/markup-compatibility/2006">
-        <mc:Choice xmlns:a14="http://schemas.microsoft.com/office/drawing/2010/main" Requires="a14">
+      <mc:AlternateContent xmlns:mc="http://schemas.openxmlformats.org/markup-compatibility/2006" xmlns:a14="http://schemas.microsoft.com/office/drawing/2010/main">
+        <mc:Choice Requires="a14">
           <p:sp>
             <p:nvSpPr>
               <p:cNvPr id="123" name="מציין מיקום תוכן 2">
@@ -38656,7 +40326,7 @@
             </p:txBody>
           </p:sp>
         </mc:Choice>
-        <mc:Fallback>
+        <mc:Fallback xmlns="">
           <p:sp>
             <p:nvSpPr>
               <p:cNvPr id="123" name="מציין מיקום תוכן 2">
@@ -38701,8 +40371,8 @@
           </p:sp>
         </mc:Fallback>
       </mc:AlternateContent>
-      <mc:AlternateContent xmlns:mc="http://schemas.openxmlformats.org/markup-compatibility/2006">
-        <mc:Choice xmlns:a14="http://schemas.microsoft.com/office/drawing/2010/main" Requires="a14">
+      <mc:AlternateContent xmlns:mc="http://schemas.openxmlformats.org/markup-compatibility/2006" xmlns:a14="http://schemas.microsoft.com/office/drawing/2010/main">
+        <mc:Choice Requires="a14">
           <p:sp>
             <p:nvSpPr>
               <p:cNvPr id="124" name="מציין מיקום תוכן 2">
@@ -38949,7 +40619,7 @@
             </p:txBody>
           </p:sp>
         </mc:Choice>
-        <mc:Fallback>
+        <mc:Fallback xmlns="">
           <p:sp>
             <p:nvSpPr>
               <p:cNvPr id="124" name="מציין מיקום תוכן 2">
@@ -39181,8 +40851,8 @@
           <a:chExt cx="0" cy="0"/>
         </a:xfrm>
       </p:grpSpPr>
-      <mc:AlternateContent xmlns:mc="http://schemas.openxmlformats.org/markup-compatibility/2006">
-        <mc:Choice xmlns:a14="http://schemas.microsoft.com/office/drawing/2010/main" Requires="a14">
+      <mc:AlternateContent xmlns:mc="http://schemas.openxmlformats.org/markup-compatibility/2006" xmlns:a14="http://schemas.microsoft.com/office/drawing/2010/main">
+        <mc:Choice Requires="a14">
           <p:sp>
             <p:nvSpPr>
               <p:cNvPr id="5" name="מלבן 4">
@@ -39262,7 +40932,7 @@
             </p:txBody>
           </p:sp>
         </mc:Choice>
-        <mc:Fallback>
+        <mc:Fallback xmlns="">
           <p:sp>
             <p:nvSpPr>
               <p:cNvPr id="5" name="מלבן 4">
@@ -39307,8 +40977,8 @@
           </p:sp>
         </mc:Fallback>
       </mc:AlternateContent>
-      <mc:AlternateContent xmlns:mc="http://schemas.openxmlformats.org/markup-compatibility/2006">
-        <mc:Choice xmlns:a14="http://schemas.microsoft.com/office/drawing/2010/main" Requires="a14">
+      <mc:AlternateContent xmlns:mc="http://schemas.openxmlformats.org/markup-compatibility/2006" xmlns:a14="http://schemas.microsoft.com/office/drawing/2010/main">
+        <mc:Choice Requires="a14">
           <p:sp>
             <p:nvSpPr>
               <p:cNvPr id="6" name="מלבן 5">
@@ -39388,7 +41058,7 @@
             </p:txBody>
           </p:sp>
         </mc:Choice>
-        <mc:Fallback>
+        <mc:Fallback xmlns="">
           <p:sp>
             <p:nvSpPr>
               <p:cNvPr id="6" name="מלבן 5">
@@ -39433,8 +41103,8 @@
           </p:sp>
         </mc:Fallback>
       </mc:AlternateContent>
-      <mc:AlternateContent xmlns:mc="http://schemas.openxmlformats.org/markup-compatibility/2006">
-        <mc:Choice xmlns:a14="http://schemas.microsoft.com/office/drawing/2010/main" Requires="a14">
+      <mc:AlternateContent xmlns:mc="http://schemas.openxmlformats.org/markup-compatibility/2006" xmlns:a14="http://schemas.microsoft.com/office/drawing/2010/main">
+        <mc:Choice Requires="a14">
           <p:sp>
             <p:nvSpPr>
               <p:cNvPr id="7" name="מלבן 6">
@@ -39514,7 +41184,7 @@
             </p:txBody>
           </p:sp>
         </mc:Choice>
-        <mc:Fallback>
+        <mc:Fallback xmlns="">
           <p:sp>
             <p:nvSpPr>
               <p:cNvPr id="7" name="מלבן 6">
@@ -39559,8 +41229,8 @@
           </p:sp>
         </mc:Fallback>
       </mc:AlternateContent>
-      <mc:AlternateContent xmlns:mc="http://schemas.openxmlformats.org/markup-compatibility/2006">
-        <mc:Choice xmlns:a14="http://schemas.microsoft.com/office/drawing/2010/main" Requires="a14">
+      <mc:AlternateContent xmlns:mc="http://schemas.openxmlformats.org/markup-compatibility/2006" xmlns:a14="http://schemas.microsoft.com/office/drawing/2010/main">
+        <mc:Choice Requires="a14">
           <p:sp>
             <p:nvSpPr>
               <p:cNvPr id="8" name="מלבן 7">
@@ -39640,7 +41310,7 @@
             </p:txBody>
           </p:sp>
         </mc:Choice>
-        <mc:Fallback>
+        <mc:Fallback xmlns="">
           <p:sp>
             <p:nvSpPr>
               <p:cNvPr id="8" name="מלבן 7">
@@ -39983,8 +41653,8 @@
           </a:p>
         </p:txBody>
       </p:sp>
-      <mc:AlternateContent xmlns:mc="http://schemas.openxmlformats.org/markup-compatibility/2006">
-        <mc:Choice xmlns:a14="http://schemas.microsoft.com/office/drawing/2010/main" Requires="a14">
+      <mc:AlternateContent xmlns:mc="http://schemas.openxmlformats.org/markup-compatibility/2006" xmlns:a14="http://schemas.microsoft.com/office/drawing/2010/main">
+        <mc:Choice Requires="a14">
           <p:sp>
             <p:nvSpPr>
               <p:cNvPr id="3" name="מלבן 2">
@@ -40064,7 +41734,7 @@
             </p:txBody>
           </p:sp>
         </mc:Choice>
-        <mc:Fallback>
+        <mc:Fallback xmlns="">
           <p:sp>
             <p:nvSpPr>
               <p:cNvPr id="3" name="מלבן 2">
@@ -40109,8 +41779,8 @@
           </p:sp>
         </mc:Fallback>
       </mc:AlternateContent>
-      <mc:AlternateContent xmlns:mc="http://schemas.openxmlformats.org/markup-compatibility/2006">
-        <mc:Choice xmlns:a14="http://schemas.microsoft.com/office/drawing/2010/main" Requires="a14">
+      <mc:AlternateContent xmlns:mc="http://schemas.openxmlformats.org/markup-compatibility/2006" xmlns:a14="http://schemas.microsoft.com/office/drawing/2010/main">
+        <mc:Choice Requires="a14">
           <p:sp>
             <p:nvSpPr>
               <p:cNvPr id="14" name="מלבן 13">
@@ -40202,7 +41872,7 @@
             </p:txBody>
           </p:sp>
         </mc:Choice>
-        <mc:Fallback>
+        <mc:Fallback xmlns="">
           <p:sp>
             <p:nvSpPr>
               <p:cNvPr id="14" name="מלבן 13">
@@ -40247,8 +41917,8 @@
           </p:sp>
         </mc:Fallback>
       </mc:AlternateContent>
-      <mc:AlternateContent xmlns:mc="http://schemas.openxmlformats.org/markup-compatibility/2006">
-        <mc:Choice xmlns:a14="http://schemas.microsoft.com/office/drawing/2010/main" Requires="a14">
+      <mc:AlternateContent xmlns:mc="http://schemas.openxmlformats.org/markup-compatibility/2006" xmlns:a14="http://schemas.microsoft.com/office/drawing/2010/main">
+        <mc:Choice Requires="a14">
           <p:sp>
             <p:nvSpPr>
               <p:cNvPr id="15" name="מלבן 14">
@@ -40340,7 +42010,7 @@
             </p:txBody>
           </p:sp>
         </mc:Choice>
-        <mc:Fallback>
+        <mc:Fallback xmlns="">
           <p:sp>
             <p:nvSpPr>
               <p:cNvPr id="15" name="מלבן 14">
@@ -40385,8 +42055,8 @@
           </p:sp>
         </mc:Fallback>
       </mc:AlternateContent>
-      <mc:AlternateContent xmlns:mc="http://schemas.openxmlformats.org/markup-compatibility/2006">
-        <mc:Choice xmlns:a14="http://schemas.microsoft.com/office/drawing/2010/main" Requires="a14">
+      <mc:AlternateContent xmlns:mc="http://schemas.openxmlformats.org/markup-compatibility/2006" xmlns:a14="http://schemas.microsoft.com/office/drawing/2010/main">
+        <mc:Choice Requires="a14">
           <p:sp>
             <p:nvSpPr>
               <p:cNvPr id="16" name="מלבן 15">
@@ -40478,7 +42148,7 @@
             </p:txBody>
           </p:sp>
         </mc:Choice>
-        <mc:Fallback>
+        <mc:Fallback xmlns="">
           <p:sp>
             <p:nvSpPr>
               <p:cNvPr id="16" name="מלבן 15">
@@ -41856,8 +43526,8 @@
           </a:p>
         </p:txBody>
       </p:sp>
-      <mc:AlternateContent xmlns:mc="http://schemas.openxmlformats.org/markup-compatibility/2006">
-        <mc:Choice xmlns:a14="http://schemas.microsoft.com/office/drawing/2010/main" Requires="a14">
+      <mc:AlternateContent xmlns:mc="http://schemas.openxmlformats.org/markup-compatibility/2006" xmlns:a14="http://schemas.microsoft.com/office/drawing/2010/main">
+        <mc:Choice Requires="a14">
           <p:sp>
             <p:nvSpPr>
               <p:cNvPr id="59" name="מלבן 58">
@@ -41925,7 +43595,7 @@
             </p:txBody>
           </p:sp>
         </mc:Choice>
-        <mc:Fallback>
+        <mc:Fallback xmlns="">
           <p:sp>
             <p:nvSpPr>
               <p:cNvPr id="59" name="מלבן 58">
@@ -41971,8 +43641,8 @@
           </p:sp>
         </mc:Fallback>
       </mc:AlternateContent>
-      <mc:AlternateContent xmlns:mc="http://schemas.openxmlformats.org/markup-compatibility/2006">
-        <mc:Choice xmlns:a14="http://schemas.microsoft.com/office/drawing/2010/main" Requires="a14">
+      <mc:AlternateContent xmlns:mc="http://schemas.openxmlformats.org/markup-compatibility/2006" xmlns:a14="http://schemas.microsoft.com/office/drawing/2010/main">
+        <mc:Choice Requires="a14">
           <p:sp>
             <p:nvSpPr>
               <p:cNvPr id="60" name="מלבן 59">
@@ -42040,7 +43710,7 @@
             </p:txBody>
           </p:sp>
         </mc:Choice>
-        <mc:Fallback>
+        <mc:Fallback xmlns="">
           <p:sp>
             <p:nvSpPr>
               <p:cNvPr id="60" name="מלבן 59">
@@ -42086,8 +43756,8 @@
           </p:sp>
         </mc:Fallback>
       </mc:AlternateContent>
-      <mc:AlternateContent xmlns:mc="http://schemas.openxmlformats.org/markup-compatibility/2006">
-        <mc:Choice xmlns:a14="http://schemas.microsoft.com/office/drawing/2010/main" Requires="a14">
+      <mc:AlternateContent xmlns:mc="http://schemas.openxmlformats.org/markup-compatibility/2006" xmlns:a14="http://schemas.microsoft.com/office/drawing/2010/main">
+        <mc:Choice Requires="a14">
           <p:sp>
             <p:nvSpPr>
               <p:cNvPr id="61" name="מלבן 60">
@@ -42155,7 +43825,7 @@
             </p:txBody>
           </p:sp>
         </mc:Choice>
-        <mc:Fallback>
+        <mc:Fallback xmlns="">
           <p:sp>
             <p:nvSpPr>
               <p:cNvPr id="61" name="מלבן 60">
@@ -42201,8 +43871,8 @@
           </p:sp>
         </mc:Fallback>
       </mc:AlternateContent>
-      <mc:AlternateContent xmlns:mc="http://schemas.openxmlformats.org/markup-compatibility/2006">
-        <mc:Choice xmlns:a14="http://schemas.microsoft.com/office/drawing/2010/main" Requires="a14">
+      <mc:AlternateContent xmlns:mc="http://schemas.openxmlformats.org/markup-compatibility/2006" xmlns:a14="http://schemas.microsoft.com/office/drawing/2010/main">
+        <mc:Choice Requires="a14">
           <p:sp>
             <p:nvSpPr>
               <p:cNvPr id="62" name="מלבן 61">
@@ -42270,7 +43940,7 @@
             </p:txBody>
           </p:sp>
         </mc:Choice>
-        <mc:Fallback>
+        <mc:Fallback xmlns="">
           <p:sp>
             <p:nvSpPr>
               <p:cNvPr id="62" name="מלבן 61">
@@ -43026,8 +44696,8 @@
           </a:p>
         </p:txBody>
       </p:sp>
-      <mc:AlternateContent xmlns:mc="http://schemas.openxmlformats.org/markup-compatibility/2006">
-        <mc:Choice xmlns:a14="http://schemas.microsoft.com/office/drawing/2010/main" Requires="a14">
+      <mc:AlternateContent xmlns:mc="http://schemas.openxmlformats.org/markup-compatibility/2006" xmlns:a14="http://schemas.microsoft.com/office/drawing/2010/main">
+        <mc:Choice Requires="a14">
           <p:sp>
             <p:nvSpPr>
               <p:cNvPr id="81" name="מלבן 80">
@@ -43119,7 +44789,7 @@
             </p:txBody>
           </p:sp>
         </mc:Choice>
-        <mc:Fallback>
+        <mc:Fallback xmlns="">
           <p:sp>
             <p:nvSpPr>
               <p:cNvPr id="81" name="מלבן 80">
@@ -43164,8 +44834,8 @@
           </p:sp>
         </mc:Fallback>
       </mc:AlternateContent>
-      <mc:AlternateContent xmlns:mc="http://schemas.openxmlformats.org/markup-compatibility/2006">
-        <mc:Choice xmlns:a14="http://schemas.microsoft.com/office/drawing/2010/main" Requires="a14">
+      <mc:AlternateContent xmlns:mc="http://schemas.openxmlformats.org/markup-compatibility/2006" xmlns:a14="http://schemas.microsoft.com/office/drawing/2010/main">
+        <mc:Choice Requires="a14">
           <p:sp>
             <p:nvSpPr>
               <p:cNvPr id="82" name="מלבן 81">
@@ -43245,7 +44915,7 @@
             </p:txBody>
           </p:sp>
         </mc:Choice>
-        <mc:Fallback>
+        <mc:Fallback xmlns="">
           <p:sp>
             <p:nvSpPr>
               <p:cNvPr id="82" name="מלבן 81">
